--- a/_posts/sequencing_v2/figs.pptx
+++ b/_posts/sequencing_v2/figs.pptx
@@ -11,6 +11,9 @@
     <p:sldId id="261" r:id="rId5"/>
     <p:sldId id="262" r:id="rId6"/>
     <p:sldId id="263" r:id="rId7"/>
+    <p:sldId id="264" r:id="rId8"/>
+    <p:sldId id="265" r:id="rId9"/>
+    <p:sldId id="266" r:id="rId10"/>
   </p:sldIdLst>
   <p:sldSz cx="12192000" cy="6858000"/>
   <p:notesSz cx="6858000" cy="9144000"/>
@@ -19539,10 +19542,2481 @@
           <a:chExt cx="0" cy="0"/>
         </a:xfrm>
       </p:grpSpPr>
+      <p:sp>
+        <p:nvSpPr>
+          <p:cNvPr id="31" name="Rectangle 30">
+            <a:extLst>
+              <a:ext uri="{FF2B5EF4-FFF2-40B4-BE49-F238E27FC236}">
+                <a16:creationId xmlns:a16="http://schemas.microsoft.com/office/drawing/2014/main" id="{028BDB72-E50D-090B-2C18-3E94BFF2F60F}"/>
+              </a:ext>
+            </a:extLst>
+          </p:cNvPr>
+          <p:cNvSpPr/>
+          <p:nvPr/>
+        </p:nvSpPr>
+        <p:spPr>
+          <a:xfrm>
+            <a:off x="4924491" y="4901711"/>
+            <a:ext cx="1374710" cy="181795"/>
+          </a:xfrm>
+          <a:prstGeom prst="rect">
+            <a:avLst/>
+          </a:prstGeom>
+          <a:solidFill>
+            <a:srgbClr val="0070C0">
+              <a:alpha val="79161"/>
+            </a:srgbClr>
+          </a:solidFill>
+          <a:ln>
+            <a:noFill/>
+          </a:ln>
+        </p:spPr>
+        <p:style>
+          <a:lnRef idx="2">
+            <a:schemeClr val="accent1">
+              <a:shade val="15000"/>
+            </a:schemeClr>
+          </a:lnRef>
+          <a:fillRef idx="1">
+            <a:schemeClr val="accent1"/>
+          </a:fillRef>
+          <a:effectRef idx="0">
+            <a:schemeClr val="accent1"/>
+          </a:effectRef>
+          <a:fontRef idx="minor">
+            <a:schemeClr val="lt1"/>
+          </a:fontRef>
+        </p:style>
+        <p:txBody>
+          <a:bodyPr rtlCol="0" anchor="ctr"/>
+          <a:lstStyle/>
+          <a:p>
+            <a:pPr algn="r"/>
+            <a:endParaRPr lang="en-US" sz="1400" dirty="0">
+              <a:solidFill>
+                <a:schemeClr val="tx1"/>
+              </a:solidFill>
+            </a:endParaRPr>
+          </a:p>
+        </p:txBody>
+      </p:sp>
+      <p:sp>
+        <p:nvSpPr>
+          <p:cNvPr id="4" name="TextBox 3">
+            <a:extLst>
+              <a:ext uri="{FF2B5EF4-FFF2-40B4-BE49-F238E27FC236}">
+                <a16:creationId xmlns:a16="http://schemas.microsoft.com/office/drawing/2014/main" id="{25A4B193-AC46-8C32-180A-7A6152C245DD}"/>
+              </a:ext>
+            </a:extLst>
+          </p:cNvPr>
+          <p:cNvSpPr txBox="1"/>
+          <p:nvPr/>
+        </p:nvSpPr>
+        <p:spPr>
+          <a:xfrm>
+            <a:off x="0" y="837321"/>
+            <a:ext cx="2435475" cy="307777"/>
+          </a:xfrm>
+          <a:prstGeom prst="rect">
+            <a:avLst/>
+          </a:prstGeom>
+          <a:noFill/>
+        </p:spPr>
+        <p:txBody>
+          <a:bodyPr wrap="none" rtlCol="0">
+            <a:spAutoFit/>
+          </a:bodyPr>
+          <a:lstStyle/>
+          <a:p>
+            <a:r>
+              <a:rPr lang="en-US" sz="1400" b="1" dirty="0"/>
+              <a:t>a. Standard paired end read</a:t>
+            </a:r>
+          </a:p>
+        </p:txBody>
+      </p:sp>
+      <p:sp>
+        <p:nvSpPr>
+          <p:cNvPr id="5" name="Rectangle 4">
+            <a:extLst>
+              <a:ext uri="{FF2B5EF4-FFF2-40B4-BE49-F238E27FC236}">
+                <a16:creationId xmlns:a16="http://schemas.microsoft.com/office/drawing/2014/main" id="{4D55D3E1-6751-B92B-DB3F-067F09DD3FA2}"/>
+              </a:ext>
+            </a:extLst>
+          </p:cNvPr>
+          <p:cNvSpPr/>
+          <p:nvPr/>
+        </p:nvSpPr>
+        <p:spPr>
+          <a:xfrm>
+            <a:off x="3004229" y="875421"/>
+            <a:ext cx="3294971" cy="181795"/>
+          </a:xfrm>
+          <a:prstGeom prst="rect">
+            <a:avLst/>
+          </a:prstGeom>
+          <a:solidFill>
+            <a:schemeClr val="bg2">
+              <a:lumMod val="75000"/>
+            </a:schemeClr>
+          </a:solidFill>
+          <a:ln>
+            <a:noFill/>
+          </a:ln>
+        </p:spPr>
+        <p:style>
+          <a:lnRef idx="2">
+            <a:schemeClr val="accent1">
+              <a:shade val="15000"/>
+            </a:schemeClr>
+          </a:lnRef>
+          <a:fillRef idx="1">
+            <a:schemeClr val="accent1"/>
+          </a:fillRef>
+          <a:effectRef idx="0">
+            <a:schemeClr val="accent1"/>
+          </a:effectRef>
+          <a:fontRef idx="minor">
+            <a:schemeClr val="lt1"/>
+          </a:fontRef>
+        </p:style>
+        <p:txBody>
+          <a:bodyPr rtlCol="0" anchor="ctr"/>
+          <a:lstStyle/>
+          <a:p>
+            <a:pPr algn="ctr"/>
+            <a:r>
+              <a:rPr lang="en-US" sz="1400" dirty="0"/>
+              <a:t>Insert</a:t>
+            </a:r>
+          </a:p>
+        </p:txBody>
+      </p:sp>
+      <p:sp>
+        <p:nvSpPr>
+          <p:cNvPr id="8" name="Rectangle 7">
+            <a:extLst>
+              <a:ext uri="{FF2B5EF4-FFF2-40B4-BE49-F238E27FC236}">
+                <a16:creationId xmlns:a16="http://schemas.microsoft.com/office/drawing/2014/main" id="{DD7743F1-748C-7D72-B28D-96FE867DD8B8}"/>
+              </a:ext>
+            </a:extLst>
+          </p:cNvPr>
+          <p:cNvSpPr/>
+          <p:nvPr/>
+        </p:nvSpPr>
+        <p:spPr>
+          <a:xfrm>
+            <a:off x="3004228" y="1317188"/>
+            <a:ext cx="1127505" cy="181795"/>
+          </a:xfrm>
+          <a:prstGeom prst="rect">
+            <a:avLst/>
+          </a:prstGeom>
+          <a:solidFill>
+            <a:srgbClr val="C00000">
+              <a:alpha val="58000"/>
+            </a:srgbClr>
+          </a:solidFill>
+          <a:ln>
+            <a:noFill/>
+          </a:ln>
+        </p:spPr>
+        <p:style>
+          <a:lnRef idx="2">
+            <a:schemeClr val="accent1">
+              <a:shade val="15000"/>
+            </a:schemeClr>
+          </a:lnRef>
+          <a:fillRef idx="1">
+            <a:schemeClr val="accent1"/>
+          </a:fillRef>
+          <a:effectRef idx="0">
+            <a:schemeClr val="accent1"/>
+          </a:effectRef>
+          <a:fontRef idx="minor">
+            <a:schemeClr val="lt1"/>
+          </a:fontRef>
+        </p:style>
+        <p:txBody>
+          <a:bodyPr rtlCol="0" anchor="ctr"/>
+          <a:lstStyle/>
+          <a:p>
+            <a:r>
+              <a:rPr lang="en-US" sz="1400" dirty="0">
+                <a:solidFill>
+                  <a:schemeClr val="tx1"/>
+                </a:solidFill>
+              </a:rPr>
+              <a:t>Read 1</a:t>
+            </a:r>
+          </a:p>
+        </p:txBody>
+      </p:sp>
+      <p:sp>
+        <p:nvSpPr>
+          <p:cNvPr id="9" name="Rectangle 8">
+            <a:extLst>
+              <a:ext uri="{FF2B5EF4-FFF2-40B4-BE49-F238E27FC236}">
+                <a16:creationId xmlns:a16="http://schemas.microsoft.com/office/drawing/2014/main" id="{20C8E718-CAA7-EADB-FCAB-EEA8955DE818}"/>
+              </a:ext>
+            </a:extLst>
+          </p:cNvPr>
+          <p:cNvSpPr/>
+          <p:nvPr/>
+        </p:nvSpPr>
+        <p:spPr>
+          <a:xfrm>
+            <a:off x="5171695" y="1317187"/>
+            <a:ext cx="1127505" cy="181795"/>
+          </a:xfrm>
+          <a:prstGeom prst="rect">
+            <a:avLst/>
+          </a:prstGeom>
+          <a:solidFill>
+            <a:srgbClr val="0070C0">
+              <a:alpha val="79161"/>
+            </a:srgbClr>
+          </a:solidFill>
+          <a:ln>
+            <a:noFill/>
+          </a:ln>
+        </p:spPr>
+        <p:style>
+          <a:lnRef idx="2">
+            <a:schemeClr val="accent1">
+              <a:shade val="15000"/>
+            </a:schemeClr>
+          </a:lnRef>
+          <a:fillRef idx="1">
+            <a:schemeClr val="accent1"/>
+          </a:fillRef>
+          <a:effectRef idx="0">
+            <a:schemeClr val="accent1"/>
+          </a:effectRef>
+          <a:fontRef idx="minor">
+            <a:schemeClr val="lt1"/>
+          </a:fontRef>
+        </p:style>
+        <p:txBody>
+          <a:bodyPr rtlCol="0" anchor="ctr"/>
+          <a:lstStyle/>
+          <a:p>
+            <a:pPr algn="r"/>
+            <a:r>
+              <a:rPr lang="en-US" sz="1400" dirty="0">
+                <a:solidFill>
+                  <a:schemeClr val="tx1"/>
+                </a:solidFill>
+              </a:rPr>
+              <a:t>Read 2</a:t>
+            </a:r>
+          </a:p>
+        </p:txBody>
+      </p:sp>
+      <p:sp>
+        <p:nvSpPr>
+          <p:cNvPr id="10" name="Rectangle 9">
+            <a:extLst>
+              <a:ext uri="{FF2B5EF4-FFF2-40B4-BE49-F238E27FC236}">
+                <a16:creationId xmlns:a16="http://schemas.microsoft.com/office/drawing/2014/main" id="{49A270E4-1EF8-E60D-EE7F-757A44C13133}"/>
+              </a:ext>
+            </a:extLst>
+          </p:cNvPr>
+          <p:cNvSpPr/>
+          <p:nvPr/>
+        </p:nvSpPr>
+        <p:spPr>
+          <a:xfrm>
+            <a:off x="3004229" y="2604694"/>
+            <a:ext cx="3294971" cy="181795"/>
+          </a:xfrm>
+          <a:prstGeom prst="rect">
+            <a:avLst/>
+          </a:prstGeom>
+          <a:solidFill>
+            <a:schemeClr val="bg2">
+              <a:lumMod val="75000"/>
+            </a:schemeClr>
+          </a:solidFill>
+          <a:ln>
+            <a:noFill/>
+          </a:ln>
+        </p:spPr>
+        <p:style>
+          <a:lnRef idx="2">
+            <a:schemeClr val="accent1">
+              <a:shade val="15000"/>
+            </a:schemeClr>
+          </a:lnRef>
+          <a:fillRef idx="1">
+            <a:schemeClr val="accent1"/>
+          </a:fillRef>
+          <a:effectRef idx="0">
+            <a:schemeClr val="accent1"/>
+          </a:effectRef>
+          <a:fontRef idx="minor">
+            <a:schemeClr val="lt1"/>
+          </a:fontRef>
+        </p:style>
+        <p:txBody>
+          <a:bodyPr rtlCol="0" anchor="ctr"/>
+          <a:lstStyle/>
+          <a:p>
+            <a:pPr algn="ctr"/>
+            <a:r>
+              <a:rPr lang="en-US" sz="1400" dirty="0"/>
+              <a:t>Insert</a:t>
+            </a:r>
+          </a:p>
+        </p:txBody>
+      </p:sp>
+      <p:sp>
+        <p:nvSpPr>
+          <p:cNvPr id="12" name="Rectangle 11">
+            <a:extLst>
+              <a:ext uri="{FF2B5EF4-FFF2-40B4-BE49-F238E27FC236}">
+                <a16:creationId xmlns:a16="http://schemas.microsoft.com/office/drawing/2014/main" id="{A78B6F6D-1E44-CB0E-37F7-F11D01CCA372}"/>
+              </a:ext>
+            </a:extLst>
+          </p:cNvPr>
+          <p:cNvSpPr/>
+          <p:nvPr/>
+        </p:nvSpPr>
+        <p:spPr>
+          <a:xfrm>
+            <a:off x="4378939" y="3046460"/>
+            <a:ext cx="1920261" cy="181795"/>
+          </a:xfrm>
+          <a:prstGeom prst="rect">
+            <a:avLst/>
+          </a:prstGeom>
+          <a:solidFill>
+            <a:srgbClr val="0070C0">
+              <a:alpha val="79161"/>
+            </a:srgbClr>
+          </a:solidFill>
+          <a:ln>
+            <a:noFill/>
+          </a:ln>
+        </p:spPr>
+        <p:style>
+          <a:lnRef idx="2">
+            <a:schemeClr val="accent1">
+              <a:shade val="15000"/>
+            </a:schemeClr>
+          </a:lnRef>
+          <a:fillRef idx="1">
+            <a:schemeClr val="accent1"/>
+          </a:fillRef>
+          <a:effectRef idx="0">
+            <a:schemeClr val="accent1"/>
+          </a:effectRef>
+          <a:fontRef idx="minor">
+            <a:schemeClr val="lt1"/>
+          </a:fontRef>
+        </p:style>
+        <p:txBody>
+          <a:bodyPr rtlCol="0" anchor="ctr"/>
+          <a:lstStyle/>
+          <a:p>
+            <a:pPr algn="r"/>
+            <a:r>
+              <a:rPr lang="en-US" sz="1400" dirty="0">
+                <a:solidFill>
+                  <a:schemeClr val="tx1"/>
+                </a:solidFill>
+              </a:rPr>
+              <a:t>Read 2</a:t>
+            </a:r>
+          </a:p>
+        </p:txBody>
+      </p:sp>
+      <p:sp>
+        <p:nvSpPr>
+          <p:cNvPr id="11" name="Rectangle 10">
+            <a:extLst>
+              <a:ext uri="{FF2B5EF4-FFF2-40B4-BE49-F238E27FC236}">
+                <a16:creationId xmlns:a16="http://schemas.microsoft.com/office/drawing/2014/main" id="{B09120E5-7602-A801-0DFD-A3A02CB5D856}"/>
+              </a:ext>
+            </a:extLst>
+          </p:cNvPr>
+          <p:cNvSpPr/>
+          <p:nvPr/>
+        </p:nvSpPr>
+        <p:spPr>
+          <a:xfrm>
+            <a:off x="3004228" y="3046462"/>
+            <a:ext cx="1920262" cy="181793"/>
+          </a:xfrm>
+          <a:prstGeom prst="rect">
+            <a:avLst/>
+          </a:prstGeom>
+          <a:solidFill>
+            <a:srgbClr val="C00000">
+              <a:alpha val="58000"/>
+            </a:srgbClr>
+          </a:solidFill>
+          <a:ln>
+            <a:noFill/>
+          </a:ln>
+        </p:spPr>
+        <p:style>
+          <a:lnRef idx="2">
+            <a:schemeClr val="accent1">
+              <a:shade val="15000"/>
+            </a:schemeClr>
+          </a:lnRef>
+          <a:fillRef idx="1">
+            <a:schemeClr val="accent1"/>
+          </a:fillRef>
+          <a:effectRef idx="0">
+            <a:schemeClr val="accent1"/>
+          </a:effectRef>
+          <a:fontRef idx="minor">
+            <a:schemeClr val="lt1"/>
+          </a:fontRef>
+        </p:style>
+        <p:txBody>
+          <a:bodyPr rtlCol="0" anchor="ctr"/>
+          <a:lstStyle/>
+          <a:p>
+            <a:r>
+              <a:rPr lang="en-US" sz="1400" dirty="0">
+                <a:solidFill>
+                  <a:schemeClr val="tx1"/>
+                </a:solidFill>
+              </a:rPr>
+              <a:t>Read 1</a:t>
+            </a:r>
+          </a:p>
+        </p:txBody>
+      </p:sp>
+      <p:sp>
+        <p:nvSpPr>
+          <p:cNvPr id="13" name="TextBox 12">
+            <a:extLst>
+              <a:ext uri="{FF2B5EF4-FFF2-40B4-BE49-F238E27FC236}">
+                <a16:creationId xmlns:a16="http://schemas.microsoft.com/office/drawing/2014/main" id="{932D2C77-97AD-3B4E-F6EB-FFCE2872979F}"/>
+              </a:ext>
+            </a:extLst>
+          </p:cNvPr>
+          <p:cNvSpPr txBox="1"/>
+          <p:nvPr/>
+        </p:nvSpPr>
+        <p:spPr>
+          <a:xfrm>
+            <a:off x="0" y="2594085"/>
+            <a:ext cx="2056269" cy="307777"/>
+          </a:xfrm>
+          <a:prstGeom prst="rect">
+            <a:avLst/>
+          </a:prstGeom>
+          <a:noFill/>
+        </p:spPr>
+        <p:txBody>
+          <a:bodyPr wrap="none" rtlCol="0">
+            <a:spAutoFit/>
+          </a:bodyPr>
+          <a:lstStyle/>
+          <a:p>
+            <a:r>
+              <a:rPr lang="en-US" sz="1400" b="1" dirty="0"/>
+              <a:t>b. Read 1 and 2 overlap</a:t>
+            </a:r>
+          </a:p>
+        </p:txBody>
+      </p:sp>
+      <p:sp>
+        <p:nvSpPr>
+          <p:cNvPr id="22" name="Rectangle 21">
+            <a:extLst>
+              <a:ext uri="{FF2B5EF4-FFF2-40B4-BE49-F238E27FC236}">
+                <a16:creationId xmlns:a16="http://schemas.microsoft.com/office/drawing/2014/main" id="{6766E5AC-7539-54D1-1482-A77CC3434EB2}"/>
+              </a:ext>
+            </a:extLst>
+          </p:cNvPr>
+          <p:cNvSpPr/>
+          <p:nvPr/>
+        </p:nvSpPr>
+        <p:spPr>
+          <a:xfrm>
+            <a:off x="3004229" y="4459949"/>
+            <a:ext cx="3294971" cy="181795"/>
+          </a:xfrm>
+          <a:prstGeom prst="rect">
+            <a:avLst/>
+          </a:prstGeom>
+          <a:solidFill>
+            <a:schemeClr val="bg2">
+              <a:lumMod val="75000"/>
+            </a:schemeClr>
+          </a:solidFill>
+          <a:ln>
+            <a:noFill/>
+          </a:ln>
+        </p:spPr>
+        <p:style>
+          <a:lnRef idx="2">
+            <a:schemeClr val="accent1">
+              <a:shade val="15000"/>
+            </a:schemeClr>
+          </a:lnRef>
+          <a:fillRef idx="1">
+            <a:schemeClr val="accent1"/>
+          </a:fillRef>
+          <a:effectRef idx="0">
+            <a:schemeClr val="accent1"/>
+          </a:effectRef>
+          <a:fontRef idx="minor">
+            <a:schemeClr val="lt1"/>
+          </a:fontRef>
+        </p:style>
+        <p:txBody>
+          <a:bodyPr rtlCol="0" anchor="ctr"/>
+          <a:lstStyle/>
+          <a:p>
+            <a:pPr algn="ctr"/>
+            <a:r>
+              <a:rPr lang="en-US" sz="1400" dirty="0"/>
+              <a:t>Insert</a:t>
+            </a:r>
+          </a:p>
+        </p:txBody>
+      </p:sp>
+      <p:sp>
+        <p:nvSpPr>
+          <p:cNvPr id="25" name="TextBox 24">
+            <a:extLst>
+              <a:ext uri="{FF2B5EF4-FFF2-40B4-BE49-F238E27FC236}">
+                <a16:creationId xmlns:a16="http://schemas.microsoft.com/office/drawing/2014/main" id="{0AAE97E7-DD0D-E9AA-B20A-04DEE087E5D4}"/>
+              </a:ext>
+            </a:extLst>
+          </p:cNvPr>
+          <p:cNvSpPr txBox="1"/>
+          <p:nvPr/>
+        </p:nvSpPr>
+        <p:spPr>
+          <a:xfrm>
+            <a:off x="0" y="4414257"/>
+            <a:ext cx="2882595" cy="307777"/>
+          </a:xfrm>
+          <a:prstGeom prst="rect">
+            <a:avLst/>
+          </a:prstGeom>
+          <a:noFill/>
+        </p:spPr>
+        <p:txBody>
+          <a:bodyPr wrap="square" rtlCol="0">
+            <a:spAutoFit/>
+          </a:bodyPr>
+          <a:lstStyle/>
+          <a:p>
+            <a:r>
+              <a:rPr lang="en-US" sz="1400" b="1" dirty="0"/>
+              <a:t>c. Read 1 adapter contamination</a:t>
+            </a:r>
+          </a:p>
+        </p:txBody>
+      </p:sp>
+      <p:sp>
+        <p:nvSpPr>
+          <p:cNvPr id="26" name="Rectangle 25">
+            <a:extLst>
+              <a:ext uri="{FF2B5EF4-FFF2-40B4-BE49-F238E27FC236}">
+                <a16:creationId xmlns:a16="http://schemas.microsoft.com/office/drawing/2014/main" id="{1457BB83-F190-FA23-DAE2-EE3908A6D940}"/>
+              </a:ext>
+            </a:extLst>
+          </p:cNvPr>
+          <p:cNvSpPr/>
+          <p:nvPr/>
+        </p:nvSpPr>
+        <p:spPr>
+          <a:xfrm>
+            <a:off x="6299200" y="4459948"/>
+            <a:ext cx="840959" cy="181796"/>
+          </a:xfrm>
+          <a:prstGeom prst="rect">
+            <a:avLst/>
+          </a:prstGeom>
+          <a:solidFill>
+            <a:schemeClr val="tx2">
+              <a:lumMod val="50000"/>
+              <a:lumOff val="50000"/>
+            </a:schemeClr>
+          </a:solidFill>
+          <a:ln>
+            <a:noFill/>
+          </a:ln>
+        </p:spPr>
+        <p:style>
+          <a:lnRef idx="2">
+            <a:schemeClr val="accent1">
+              <a:shade val="15000"/>
+            </a:schemeClr>
+          </a:lnRef>
+          <a:fillRef idx="1">
+            <a:schemeClr val="accent1"/>
+          </a:fillRef>
+          <a:effectRef idx="0">
+            <a:schemeClr val="accent1"/>
+          </a:effectRef>
+          <a:fontRef idx="minor">
+            <a:schemeClr val="lt1"/>
+          </a:fontRef>
+        </p:style>
+        <p:txBody>
+          <a:bodyPr rtlCol="0" anchor="ctr"/>
+          <a:lstStyle/>
+          <a:p>
+            <a:pPr algn="ctr"/>
+            <a:r>
+              <a:rPr lang="en-US" sz="1200" dirty="0"/>
+              <a:t>Primer</a:t>
+            </a:r>
+          </a:p>
+        </p:txBody>
+      </p:sp>
+      <p:sp>
+        <p:nvSpPr>
+          <p:cNvPr id="27" name="Rectangle 26">
+            <a:extLst>
+              <a:ext uri="{FF2B5EF4-FFF2-40B4-BE49-F238E27FC236}">
+                <a16:creationId xmlns:a16="http://schemas.microsoft.com/office/drawing/2014/main" id="{D99AF79B-8927-48F6-0172-BCC3AB679B07}"/>
+              </a:ext>
+            </a:extLst>
+          </p:cNvPr>
+          <p:cNvSpPr/>
+          <p:nvPr/>
+        </p:nvSpPr>
+        <p:spPr>
+          <a:xfrm>
+            <a:off x="7140158" y="4459948"/>
+            <a:ext cx="722376" cy="181794"/>
+          </a:xfrm>
+          <a:prstGeom prst="rect">
+            <a:avLst/>
+          </a:prstGeom>
+          <a:solidFill>
+            <a:schemeClr val="accent3">
+              <a:lumMod val="40000"/>
+              <a:lumOff val="60000"/>
+            </a:schemeClr>
+          </a:solidFill>
+          <a:ln>
+            <a:noFill/>
+          </a:ln>
+        </p:spPr>
+        <p:style>
+          <a:lnRef idx="2">
+            <a:schemeClr val="accent1">
+              <a:shade val="15000"/>
+            </a:schemeClr>
+          </a:lnRef>
+          <a:fillRef idx="1">
+            <a:schemeClr val="accent1"/>
+          </a:fillRef>
+          <a:effectRef idx="0">
+            <a:schemeClr val="accent1"/>
+          </a:effectRef>
+          <a:fontRef idx="minor">
+            <a:schemeClr val="lt1"/>
+          </a:fontRef>
+        </p:style>
+        <p:txBody>
+          <a:bodyPr rtlCol="0" anchor="ctr"/>
+          <a:lstStyle/>
+          <a:p>
+            <a:pPr algn="ctr"/>
+            <a:r>
+              <a:rPr lang="en-US" sz="1200" dirty="0"/>
+              <a:t>i7 index</a:t>
+            </a:r>
+          </a:p>
+        </p:txBody>
+      </p:sp>
+      <p:sp>
+        <p:nvSpPr>
+          <p:cNvPr id="28" name="Rectangle 27">
+            <a:extLst>
+              <a:ext uri="{FF2B5EF4-FFF2-40B4-BE49-F238E27FC236}">
+                <a16:creationId xmlns:a16="http://schemas.microsoft.com/office/drawing/2014/main" id="{EAC9F1E9-7D1A-C3C2-0AA5-330EB9F06B37}"/>
+              </a:ext>
+            </a:extLst>
+          </p:cNvPr>
+          <p:cNvSpPr/>
+          <p:nvPr/>
+        </p:nvSpPr>
+        <p:spPr>
+          <a:xfrm>
+            <a:off x="7828254" y="4459948"/>
+            <a:ext cx="521207" cy="181794"/>
+          </a:xfrm>
+          <a:prstGeom prst="rect">
+            <a:avLst/>
+          </a:prstGeom>
+          <a:solidFill>
+            <a:schemeClr val="accent5">
+              <a:lumMod val="50000"/>
+            </a:schemeClr>
+          </a:solidFill>
+          <a:ln>
+            <a:noFill/>
+          </a:ln>
+        </p:spPr>
+        <p:style>
+          <a:lnRef idx="2">
+            <a:schemeClr val="accent1">
+              <a:shade val="15000"/>
+            </a:schemeClr>
+          </a:lnRef>
+          <a:fillRef idx="1">
+            <a:schemeClr val="accent1"/>
+          </a:fillRef>
+          <a:effectRef idx="0">
+            <a:schemeClr val="accent1"/>
+          </a:effectRef>
+          <a:fontRef idx="minor">
+            <a:schemeClr val="lt1"/>
+          </a:fontRef>
+        </p:style>
+        <p:txBody>
+          <a:bodyPr rtlCol="0" anchor="ctr"/>
+          <a:lstStyle/>
+          <a:p>
+            <a:pPr algn="ctr"/>
+            <a:r>
+              <a:rPr lang="en-US" sz="1200" dirty="0"/>
+              <a:t>P7</a:t>
+            </a:r>
+          </a:p>
+        </p:txBody>
+      </p:sp>
+      <p:sp>
+        <p:nvSpPr>
+          <p:cNvPr id="29" name="TextBox 28">
+            <a:extLst>
+              <a:ext uri="{FF2B5EF4-FFF2-40B4-BE49-F238E27FC236}">
+                <a16:creationId xmlns:a16="http://schemas.microsoft.com/office/drawing/2014/main" id="{7CFBF8BE-BE17-9528-FE29-42F3E8F724AA}"/>
+              </a:ext>
+            </a:extLst>
+          </p:cNvPr>
+          <p:cNvSpPr txBox="1"/>
+          <p:nvPr/>
+        </p:nvSpPr>
+        <p:spPr>
+          <a:xfrm>
+            <a:off x="6967887" y="4043047"/>
+            <a:ext cx="712887" cy="276999"/>
+          </a:xfrm>
+          <a:prstGeom prst="rect">
+            <a:avLst/>
+          </a:prstGeom>
+          <a:noFill/>
+        </p:spPr>
+        <p:txBody>
+          <a:bodyPr wrap="none" rtlCol="0">
+            <a:spAutoFit/>
+          </a:bodyPr>
+          <a:lstStyle/>
+          <a:p>
+            <a:r>
+              <a:rPr lang="en-US" sz="1200" dirty="0"/>
+              <a:t>Adapter</a:t>
+            </a:r>
+          </a:p>
+        </p:txBody>
+      </p:sp>
+      <p:sp>
+        <p:nvSpPr>
+          <p:cNvPr id="30" name="Left Brace 29">
+            <a:extLst>
+              <a:ext uri="{FF2B5EF4-FFF2-40B4-BE49-F238E27FC236}">
+                <a16:creationId xmlns:a16="http://schemas.microsoft.com/office/drawing/2014/main" id="{0BBE665B-09F9-0596-2588-69826A370B8D}"/>
+              </a:ext>
+            </a:extLst>
+          </p:cNvPr>
+          <p:cNvSpPr/>
+          <p:nvPr/>
+        </p:nvSpPr>
+        <p:spPr>
+          <a:xfrm rot="16200000" flipH="1">
+            <a:off x="7237048" y="3335913"/>
+            <a:ext cx="174566" cy="2050261"/>
+          </a:xfrm>
+          <a:prstGeom prst="leftBrace">
+            <a:avLst/>
+          </a:prstGeom>
+          <a:ln w="12700">
+            <a:solidFill>
+              <a:schemeClr val="tx1"/>
+            </a:solidFill>
+          </a:ln>
+        </p:spPr>
+        <p:style>
+          <a:lnRef idx="2">
+            <a:schemeClr val="accent1"/>
+          </a:lnRef>
+          <a:fillRef idx="0">
+            <a:schemeClr val="accent1"/>
+          </a:fillRef>
+          <a:effectRef idx="1">
+            <a:schemeClr val="accent1"/>
+          </a:effectRef>
+          <a:fontRef idx="minor">
+            <a:schemeClr val="tx1"/>
+          </a:fontRef>
+        </p:style>
+        <p:txBody>
+          <a:bodyPr rtlCol="0" anchor="ctr"/>
+          <a:lstStyle/>
+          <a:p>
+            <a:pPr algn="ctr"/>
+            <a:endParaRPr lang="en-US" dirty="0"/>
+          </a:p>
+        </p:txBody>
+      </p:sp>
+      <p:sp>
+        <p:nvSpPr>
+          <p:cNvPr id="24" name="Rectangle 23">
+            <a:extLst>
+              <a:ext uri="{FF2B5EF4-FFF2-40B4-BE49-F238E27FC236}">
+                <a16:creationId xmlns:a16="http://schemas.microsoft.com/office/drawing/2014/main" id="{96327709-21A2-B81B-49E9-0F886EC6CBFC}"/>
+              </a:ext>
+            </a:extLst>
+          </p:cNvPr>
+          <p:cNvSpPr/>
+          <p:nvPr/>
+        </p:nvSpPr>
+        <p:spPr>
+          <a:xfrm>
+            <a:off x="3004227" y="4901715"/>
+            <a:ext cx="4430353" cy="181793"/>
+          </a:xfrm>
+          <a:prstGeom prst="rect">
+            <a:avLst/>
+          </a:prstGeom>
+          <a:solidFill>
+            <a:srgbClr val="C00000">
+              <a:alpha val="58000"/>
+            </a:srgbClr>
+          </a:solidFill>
+          <a:ln>
+            <a:noFill/>
+          </a:ln>
+        </p:spPr>
+        <p:style>
+          <a:lnRef idx="2">
+            <a:schemeClr val="accent1">
+              <a:shade val="15000"/>
+            </a:schemeClr>
+          </a:lnRef>
+          <a:fillRef idx="1">
+            <a:schemeClr val="accent1"/>
+          </a:fillRef>
+          <a:effectRef idx="0">
+            <a:schemeClr val="accent1"/>
+          </a:effectRef>
+          <a:fontRef idx="minor">
+            <a:schemeClr val="lt1"/>
+          </a:fontRef>
+        </p:style>
+        <p:txBody>
+          <a:bodyPr rtlCol="0" anchor="ctr"/>
+          <a:lstStyle/>
+          <a:p>
+            <a:r>
+              <a:rPr lang="en-US" sz="1400" dirty="0">
+                <a:solidFill>
+                  <a:schemeClr val="tx1"/>
+                </a:solidFill>
+              </a:rPr>
+              <a:t>Read 1</a:t>
+            </a:r>
+          </a:p>
+        </p:txBody>
+      </p:sp>
+      <p:sp>
+        <p:nvSpPr>
+          <p:cNvPr id="32" name="TextBox 31">
+            <a:extLst>
+              <a:ext uri="{FF2B5EF4-FFF2-40B4-BE49-F238E27FC236}">
+                <a16:creationId xmlns:a16="http://schemas.microsoft.com/office/drawing/2014/main" id="{44680EE2-7016-8E54-9F4E-FE9A2568EA2E}"/>
+              </a:ext>
+            </a:extLst>
+          </p:cNvPr>
+          <p:cNvSpPr txBox="1"/>
+          <p:nvPr/>
+        </p:nvSpPr>
+        <p:spPr>
+          <a:xfrm>
+            <a:off x="5628494" y="4844380"/>
+            <a:ext cx="718466" cy="307777"/>
+          </a:xfrm>
+          <a:prstGeom prst="rect">
+            <a:avLst/>
+          </a:prstGeom>
+          <a:noFill/>
+        </p:spPr>
+        <p:txBody>
+          <a:bodyPr wrap="none" rtlCol="0">
+            <a:spAutoFit/>
+          </a:bodyPr>
+          <a:lstStyle/>
+          <a:p>
+            <a:r>
+              <a:rPr lang="en-US" sz="1400" dirty="0"/>
+              <a:t>Read 2</a:t>
+            </a:r>
+          </a:p>
+        </p:txBody>
+      </p:sp>
     </p:spTree>
     <p:extLst>
       <p:ext uri="{BB962C8B-B14F-4D97-AF65-F5344CB8AC3E}">
         <p14:creationId xmlns:p14="http://schemas.microsoft.com/office/powerpoint/2010/main" val="1479296902"/>
+      </p:ext>
+    </p:extLst>
+  </p:cSld>
+  <p:clrMapOvr>
+    <a:masterClrMapping/>
+  </p:clrMapOvr>
+</p:sld>
+</file>
+
+<file path=ppt/slides/slide7.xml><?xml version="1.0" encoding="utf-8"?>
+<p:sld xmlns:a="http://schemas.openxmlformats.org/drawingml/2006/main" xmlns:r="http://schemas.openxmlformats.org/officeDocument/2006/relationships" xmlns:p="http://schemas.openxmlformats.org/presentationml/2006/main">
+  <p:cSld>
+    <p:spTree>
+      <p:nvGrpSpPr>
+        <p:cNvPr id="1" name=""/>
+        <p:cNvGrpSpPr/>
+        <p:nvPr/>
+      </p:nvGrpSpPr>
+      <p:grpSpPr>
+        <a:xfrm>
+          <a:off x="0" y="0"/>
+          <a:ext cx="0" cy="0"/>
+          <a:chOff x="0" y="0"/>
+          <a:chExt cx="0" cy="0"/>
+        </a:xfrm>
+      </p:grpSpPr>
+      <p:pic>
+        <p:nvPicPr>
+          <p:cNvPr id="9" name="Picture 8" descr="A graph of quality scores&#10;&#10;AI-generated content may be incorrect.">
+            <a:extLst>
+              <a:ext uri="{FF2B5EF4-FFF2-40B4-BE49-F238E27FC236}">
+                <a16:creationId xmlns:a16="http://schemas.microsoft.com/office/drawing/2014/main" id="{495D7B4B-7113-53F0-ED2F-18DB2C6D8377}"/>
+              </a:ext>
+            </a:extLst>
+          </p:cNvPr>
+          <p:cNvPicPr>
+            <a:picLocks noChangeAspect="1"/>
+          </p:cNvPicPr>
+          <p:nvPr/>
+        </p:nvPicPr>
+        <p:blipFill>
+          <a:blip r:embed="rId2"/>
+          <a:srcRect t="2899"/>
+          <a:stretch>
+            <a:fillRect/>
+          </a:stretch>
+        </p:blipFill>
+        <p:spPr>
+          <a:xfrm>
+            <a:off x="291548" y="1061997"/>
+            <a:ext cx="5627078" cy="3995530"/>
+          </a:xfrm>
+          <a:prstGeom prst="rect">
+            <a:avLst/>
+          </a:prstGeom>
+        </p:spPr>
+      </p:pic>
+      <p:pic>
+        <p:nvPicPr>
+          <p:cNvPr id="11" name="Picture 10" descr="A graph of a chart&#10;&#10;AI-generated content may be incorrect.">
+            <a:extLst>
+              <a:ext uri="{FF2B5EF4-FFF2-40B4-BE49-F238E27FC236}">
+                <a16:creationId xmlns:a16="http://schemas.microsoft.com/office/drawing/2014/main" id="{1B58D98E-1AE7-4AFF-113C-B14532D6097A}"/>
+              </a:ext>
+            </a:extLst>
+          </p:cNvPr>
+          <p:cNvPicPr>
+            <a:picLocks noChangeAspect="1"/>
+          </p:cNvPicPr>
+          <p:nvPr/>
+        </p:nvPicPr>
+        <p:blipFill>
+          <a:blip r:embed="rId3"/>
+          <a:stretch>
+            <a:fillRect/>
+          </a:stretch>
+        </p:blipFill>
+        <p:spPr>
+          <a:xfrm>
+            <a:off x="6096000" y="1061997"/>
+            <a:ext cx="5627078" cy="4114800"/>
+          </a:xfrm>
+          <a:prstGeom prst="rect">
+            <a:avLst/>
+          </a:prstGeom>
+        </p:spPr>
+      </p:pic>
+      <p:sp>
+        <p:nvSpPr>
+          <p:cNvPr id="12" name="TextBox 11">
+            <a:extLst>
+              <a:ext uri="{FF2B5EF4-FFF2-40B4-BE49-F238E27FC236}">
+                <a16:creationId xmlns:a16="http://schemas.microsoft.com/office/drawing/2014/main" id="{5CCD3FE6-8F75-5114-2918-555D6ADCD092}"/>
+              </a:ext>
+            </a:extLst>
+          </p:cNvPr>
+          <p:cNvSpPr txBox="1"/>
+          <p:nvPr/>
+        </p:nvSpPr>
+        <p:spPr>
+          <a:xfrm>
+            <a:off x="2491778" y="5176797"/>
+            <a:ext cx="1226618" cy="307777"/>
+          </a:xfrm>
+          <a:prstGeom prst="rect">
+            <a:avLst/>
+          </a:prstGeom>
+          <a:noFill/>
+        </p:spPr>
+        <p:txBody>
+          <a:bodyPr wrap="none" rtlCol="0">
+            <a:spAutoFit/>
+          </a:bodyPr>
+          <a:lstStyle/>
+          <a:p>
+            <a:r>
+              <a:rPr lang="en-US" sz="1400" dirty="0"/>
+              <a:t>Good sample</a:t>
+            </a:r>
+          </a:p>
+        </p:txBody>
+      </p:sp>
+      <p:sp>
+        <p:nvSpPr>
+          <p:cNvPr id="13" name="TextBox 12">
+            <a:extLst>
+              <a:ext uri="{FF2B5EF4-FFF2-40B4-BE49-F238E27FC236}">
+                <a16:creationId xmlns:a16="http://schemas.microsoft.com/office/drawing/2014/main" id="{BA11BF9D-5DBB-1883-4931-035F42BA1E85}"/>
+              </a:ext>
+            </a:extLst>
+          </p:cNvPr>
+          <p:cNvSpPr txBox="1"/>
+          <p:nvPr/>
+        </p:nvSpPr>
+        <p:spPr>
+          <a:xfrm>
+            <a:off x="8356342" y="5176797"/>
+            <a:ext cx="1106393" cy="307777"/>
+          </a:xfrm>
+          <a:prstGeom prst="rect">
+            <a:avLst/>
+          </a:prstGeom>
+          <a:noFill/>
+        </p:spPr>
+        <p:txBody>
+          <a:bodyPr wrap="none" rtlCol="0">
+            <a:spAutoFit/>
+          </a:bodyPr>
+          <a:lstStyle/>
+          <a:p>
+            <a:r>
+              <a:rPr lang="en-US" sz="1400" dirty="0"/>
+              <a:t>Bad sample</a:t>
+            </a:r>
+          </a:p>
+        </p:txBody>
+      </p:sp>
+    </p:spTree>
+    <p:extLst>
+      <p:ext uri="{BB962C8B-B14F-4D97-AF65-F5344CB8AC3E}">
+        <p14:creationId xmlns:p14="http://schemas.microsoft.com/office/powerpoint/2010/main" val="2794292927"/>
+      </p:ext>
+    </p:extLst>
+  </p:cSld>
+  <p:clrMapOvr>
+    <a:masterClrMapping/>
+  </p:clrMapOvr>
+</p:sld>
+</file>
+
+<file path=ppt/slides/slide8.xml><?xml version="1.0" encoding="utf-8"?>
+<p:sld xmlns:a="http://schemas.openxmlformats.org/drawingml/2006/main" xmlns:r="http://schemas.openxmlformats.org/officeDocument/2006/relationships" xmlns:p="http://schemas.openxmlformats.org/presentationml/2006/main">
+  <p:cSld>
+    <p:spTree>
+      <p:nvGrpSpPr>
+        <p:cNvPr id="1" name=""/>
+        <p:cNvGrpSpPr/>
+        <p:nvPr/>
+      </p:nvGrpSpPr>
+      <p:grpSpPr>
+        <a:xfrm>
+          <a:off x="0" y="0"/>
+          <a:ext cx="0" cy="0"/>
+          <a:chOff x="0" y="0"/>
+          <a:chExt cx="0" cy="0"/>
+        </a:xfrm>
+      </p:grpSpPr>
+      <p:pic>
+        <p:nvPicPr>
+          <p:cNvPr id="5" name="Picture 4">
+            <a:extLst>
+              <a:ext uri="{FF2B5EF4-FFF2-40B4-BE49-F238E27FC236}">
+                <a16:creationId xmlns:a16="http://schemas.microsoft.com/office/drawing/2014/main" id="{6032C2EA-D387-C5E7-ED88-4F55B007176E}"/>
+              </a:ext>
+            </a:extLst>
+          </p:cNvPr>
+          <p:cNvPicPr>
+            <a:picLocks noChangeAspect="1"/>
+          </p:cNvPicPr>
+          <p:nvPr/>
+        </p:nvPicPr>
+        <p:blipFill>
+          <a:blip r:embed="rId2"/>
+          <a:srcRect b="9036"/>
+          <a:stretch>
+            <a:fillRect/>
+          </a:stretch>
+        </p:blipFill>
+        <p:spPr>
+          <a:xfrm>
+            <a:off x="2209800" y="934268"/>
+            <a:ext cx="7772400" cy="656879"/>
+          </a:xfrm>
+          <a:prstGeom prst="rect">
+            <a:avLst/>
+          </a:prstGeom>
+        </p:spPr>
+      </p:pic>
+      <p:sp>
+        <p:nvSpPr>
+          <p:cNvPr id="6" name="TextBox 5">
+            <a:extLst>
+              <a:ext uri="{FF2B5EF4-FFF2-40B4-BE49-F238E27FC236}">
+                <a16:creationId xmlns:a16="http://schemas.microsoft.com/office/drawing/2014/main" id="{3F980C59-AA37-353F-0424-33363F4C666B}"/>
+              </a:ext>
+            </a:extLst>
+          </p:cNvPr>
+          <p:cNvSpPr txBox="1"/>
+          <p:nvPr/>
+        </p:nvSpPr>
+        <p:spPr>
+          <a:xfrm>
+            <a:off x="2209800" y="1794934"/>
+            <a:ext cx="7772400" cy="1200329"/>
+          </a:xfrm>
+          <a:prstGeom prst="rect">
+            <a:avLst/>
+          </a:prstGeom>
+          <a:noFill/>
+        </p:spPr>
+        <p:txBody>
+          <a:bodyPr wrap="square" rtlCol="0">
+            <a:spAutoFit/>
+          </a:bodyPr>
+          <a:lstStyle/>
+          <a:p>
+            <a:r>
+              <a:rPr lang="en-US" dirty="0"/>
+              <a:t>1. R1: the read sequenced from the P5 side</a:t>
+            </a:r>
+          </a:p>
+          <a:p>
+            <a:r>
+              <a:rPr lang="en-US" dirty="0"/>
+              <a:t>2. R2: the read sequenced from the P7 side</a:t>
+            </a:r>
+          </a:p>
+          <a:p>
+            <a:r>
+              <a:rPr lang="en-US" dirty="0"/>
+              <a:t>3. I1: the i7 index read</a:t>
+            </a:r>
+          </a:p>
+          <a:p>
+            <a:r>
+              <a:rPr lang="en-US" dirty="0"/>
+              <a:t>4. I2: the i5 index read</a:t>
+            </a:r>
+          </a:p>
+        </p:txBody>
+      </p:sp>
+    </p:spTree>
+    <p:extLst>
+      <p:ext uri="{BB962C8B-B14F-4D97-AF65-F5344CB8AC3E}">
+        <p14:creationId xmlns:p14="http://schemas.microsoft.com/office/powerpoint/2010/main" val="105098301"/>
+      </p:ext>
+    </p:extLst>
+  </p:cSld>
+  <p:clrMapOvr>
+    <a:masterClrMapping/>
+  </p:clrMapOvr>
+</p:sld>
+</file>
+
+<file path=ppt/slides/slide9.xml><?xml version="1.0" encoding="utf-8"?>
+<p:sld xmlns:a="http://schemas.openxmlformats.org/drawingml/2006/main" xmlns:r="http://schemas.openxmlformats.org/officeDocument/2006/relationships" xmlns:p="http://schemas.openxmlformats.org/presentationml/2006/main">
+  <p:cSld>
+    <p:spTree>
+      <p:nvGrpSpPr>
+        <p:cNvPr id="1" name=""/>
+        <p:cNvGrpSpPr/>
+        <p:nvPr/>
+      </p:nvGrpSpPr>
+      <p:grpSpPr>
+        <a:xfrm>
+          <a:off x="0" y="0"/>
+          <a:ext cx="0" cy="0"/>
+          <a:chOff x="0" y="0"/>
+          <a:chExt cx="0" cy="0"/>
+        </a:xfrm>
+      </p:grpSpPr>
+      <p:grpSp>
+        <p:nvGrpSpPr>
+          <p:cNvPr id="10" name="Group 9">
+            <a:extLst>
+              <a:ext uri="{FF2B5EF4-FFF2-40B4-BE49-F238E27FC236}">
+                <a16:creationId xmlns:a16="http://schemas.microsoft.com/office/drawing/2014/main" id="{849F0EC4-8684-17D3-44F7-195727F65418}"/>
+              </a:ext>
+            </a:extLst>
+          </p:cNvPr>
+          <p:cNvGrpSpPr/>
+          <p:nvPr/>
+        </p:nvGrpSpPr>
+        <p:grpSpPr>
+          <a:xfrm>
+            <a:off x="641737" y="4046517"/>
+            <a:ext cx="11213326" cy="2585323"/>
+            <a:chOff x="641737" y="3429000"/>
+            <a:chExt cx="11213326" cy="3018840"/>
+          </a:xfrm>
+        </p:grpSpPr>
+        <p:sp>
+          <p:nvSpPr>
+            <p:cNvPr id="5" name="Rectangle 4">
+              <a:extLst>
+                <a:ext uri="{FF2B5EF4-FFF2-40B4-BE49-F238E27FC236}">
+                  <a16:creationId xmlns:a16="http://schemas.microsoft.com/office/drawing/2014/main" id="{E8213927-9934-B160-412A-4AC4F14F7D27}"/>
+                </a:ext>
+              </a:extLst>
+            </p:cNvPr>
+            <p:cNvSpPr/>
+            <p:nvPr/>
+          </p:nvSpPr>
+          <p:spPr>
+            <a:xfrm>
+              <a:off x="641737" y="3429000"/>
+              <a:ext cx="11213326" cy="3018840"/>
+            </a:xfrm>
+            <a:prstGeom prst="rect">
+              <a:avLst/>
+            </a:prstGeom>
+            <a:solidFill>
+              <a:schemeClr val="tx1"/>
+            </a:solidFill>
+          </p:spPr>
+          <p:style>
+            <a:lnRef idx="2">
+              <a:schemeClr val="accent1">
+                <a:shade val="15000"/>
+              </a:schemeClr>
+            </a:lnRef>
+            <a:fillRef idx="1">
+              <a:schemeClr val="accent1"/>
+            </a:fillRef>
+            <a:effectRef idx="0">
+              <a:schemeClr val="accent1"/>
+            </a:effectRef>
+            <a:fontRef idx="minor">
+              <a:schemeClr val="lt1"/>
+            </a:fontRef>
+          </p:style>
+          <p:txBody>
+            <a:bodyPr rtlCol="0" anchor="ctr"/>
+            <a:lstStyle/>
+            <a:p>
+              <a:pPr algn="ctr"/>
+              <a:endParaRPr lang="en-US" dirty="0"/>
+            </a:p>
+          </p:txBody>
+        </p:sp>
+        <p:sp>
+          <p:nvSpPr>
+            <p:cNvPr id="4" name="TextBox 3">
+              <a:extLst>
+                <a:ext uri="{FF2B5EF4-FFF2-40B4-BE49-F238E27FC236}">
+                  <a16:creationId xmlns:a16="http://schemas.microsoft.com/office/drawing/2014/main" id="{B47B89CF-3719-D55E-CAEF-084B6794D153}"/>
+                </a:ext>
+              </a:extLst>
+            </p:cNvPr>
+            <p:cNvSpPr txBox="1"/>
+            <p:nvPr/>
+          </p:nvSpPr>
+          <p:spPr>
+            <a:xfrm>
+              <a:off x="641737" y="3429000"/>
+              <a:ext cx="11213326" cy="3018840"/>
+            </a:xfrm>
+            <a:prstGeom prst="rect">
+              <a:avLst/>
+            </a:prstGeom>
+            <a:noFill/>
+          </p:spPr>
+          <p:txBody>
+            <a:bodyPr wrap="none" rtlCol="0">
+              <a:spAutoFit/>
+            </a:bodyPr>
+            <a:lstStyle/>
+            <a:p>
+              <a:r>
+                <a:rPr lang="en-US" dirty="0">
+                  <a:solidFill>
+                    <a:schemeClr val="bg1"/>
+                  </a:solidFill>
+                  <a:highlight>
+                    <a:srgbClr val="000000"/>
+                  </a:highlight>
+                  <a:latin typeface="Andale Mono" panose="020B0509000000000004" pitchFamily="49" charset="0"/>
+                </a:rPr>
+                <a:t>@NB551526:253:HF3TGBGXN:1:11101:13690:1710</a:t>
+              </a:r>
+            </a:p>
+            <a:p>
+              <a:r>
+                <a:rPr lang="en-US" dirty="0">
+                  <a:solidFill>
+                    <a:schemeClr val="bg1"/>
+                  </a:solidFill>
+                  <a:highlight>
+                    <a:srgbClr val="000000"/>
+                  </a:highlight>
+                  <a:latin typeface="Andale Mono" panose="020B0509000000000004" pitchFamily="49" charset="0"/>
+                </a:rPr>
+                <a:t>GTTTAATTGAGTTGTCATATGTTAATAACGGTAAAGAGACAGCTACGTTTTATTTTTTATTTTTTAACTTTGAATTTAAG</a:t>
+              </a:r>
+            </a:p>
+            <a:p>
+              <a:r>
+                <a:rPr lang="en-US" dirty="0">
+                  <a:solidFill>
+                    <a:schemeClr val="bg1"/>
+                  </a:solidFill>
+                  <a:highlight>
+                    <a:srgbClr val="000000"/>
+                  </a:highlight>
+                  <a:latin typeface="Andale Mono" panose="020B0509000000000004" pitchFamily="49" charset="0"/>
+                </a:rPr>
+                <a:t>+</a:t>
+              </a:r>
+            </a:p>
+            <a:p>
+              <a:r>
+                <a:rPr lang="en-US" dirty="0">
+                  <a:solidFill>
+                    <a:schemeClr val="bg1"/>
+                  </a:solidFill>
+                  <a:highlight>
+                    <a:srgbClr val="000000"/>
+                  </a:highlight>
+                  <a:latin typeface="Andale Mono" panose="020B0509000000000004" pitchFamily="49" charset="0"/>
+                </a:rPr>
+                <a:t>AAAAAEEEEEEEEEEEEEEAAEEEEEEEEEEEE6E66/E/AA/A///EEEA//E///EEE/EEA/AE//&lt;//EE//A///</a:t>
+              </a:r>
+            </a:p>
+            <a:p>
+              <a:endParaRPr lang="en-US" dirty="0">
+                <a:solidFill>
+                  <a:schemeClr val="bg1"/>
+                </a:solidFill>
+                <a:highlight>
+                  <a:srgbClr val="000000"/>
+                </a:highlight>
+                <a:latin typeface="Andale Mono" panose="020B0509000000000004" pitchFamily="49" charset="0"/>
+              </a:endParaRPr>
+            </a:p>
+            <a:p>
+              <a:r>
+                <a:rPr lang="en-US" dirty="0">
+                  <a:solidFill>
+                    <a:schemeClr val="bg1"/>
+                  </a:solidFill>
+                  <a:highlight>
+                    <a:srgbClr val="000000"/>
+                  </a:highlight>
+                  <a:latin typeface="Andale Mono" panose="020B0509000000000004" pitchFamily="49" charset="0"/>
+                </a:rPr>
+                <a:t>@NB551526:253:HF3TGBGXN:1:11101:5538:2131</a:t>
+              </a:r>
+            </a:p>
+            <a:p>
+              <a:r>
+                <a:rPr lang="en-US" dirty="0">
+                  <a:solidFill>
+                    <a:schemeClr val="bg1"/>
+                  </a:solidFill>
+                  <a:highlight>
+                    <a:srgbClr val="000000"/>
+                  </a:highlight>
+                  <a:latin typeface="Andale Mono" panose="020B0509000000000004" pitchFamily="49" charset="0"/>
+                </a:rPr>
+                <a:t>GTTTAATTGAGTTGTCATATGTTAATAACGGTATCTGTCCTTAGAAGCCCCCAGTTGGAGAGGTTGTAGTGCAGGAGGGA</a:t>
+              </a:r>
+            </a:p>
+            <a:p>
+              <a:r>
+                <a:rPr lang="en-US" dirty="0">
+                  <a:solidFill>
+                    <a:schemeClr val="bg1"/>
+                  </a:solidFill>
+                  <a:highlight>
+                    <a:srgbClr val="000000"/>
+                  </a:highlight>
+                  <a:latin typeface="Andale Mono" panose="020B0509000000000004" pitchFamily="49" charset="0"/>
+                </a:rPr>
+                <a:t>+</a:t>
+              </a:r>
+            </a:p>
+            <a:p>
+              <a:r>
+                <a:rPr lang="en-US" dirty="0">
+                  <a:solidFill>
+                    <a:schemeClr val="bg1"/>
+                  </a:solidFill>
+                  <a:highlight>
+                    <a:srgbClr val="000000"/>
+                  </a:highlight>
+                  <a:latin typeface="Andale Mono" panose="020B0509000000000004" pitchFamily="49" charset="0"/>
+                </a:rPr>
+                <a:t>AAAAAAEE/A&lt;&lt;AEE/EEA66EA&lt;EAEAE&lt;/EAE/AEEE&lt;/E/EEE/EEE//EEE/&lt;/AEEEA&lt;E&lt;EE//EEEEEEEEEA</a:t>
+              </a:r>
+            </a:p>
+          </p:txBody>
+        </p:sp>
+      </p:grpSp>
+      <p:grpSp>
+        <p:nvGrpSpPr>
+          <p:cNvPr id="7" name="Group 6">
+            <a:extLst>
+              <a:ext uri="{FF2B5EF4-FFF2-40B4-BE49-F238E27FC236}">
+                <a16:creationId xmlns:a16="http://schemas.microsoft.com/office/drawing/2014/main" id="{DA5C36DD-AC08-C9EC-59D5-70BD56A730B3}"/>
+              </a:ext>
+            </a:extLst>
+          </p:cNvPr>
+          <p:cNvGrpSpPr/>
+          <p:nvPr/>
+        </p:nvGrpSpPr>
+        <p:grpSpPr>
+          <a:xfrm>
+            <a:off x="641737" y="404290"/>
+            <a:ext cx="11213326" cy="2585323"/>
+            <a:chOff x="135378" y="2585323"/>
+            <a:chExt cx="11213326" cy="2585323"/>
+          </a:xfrm>
+        </p:grpSpPr>
+        <p:sp>
+          <p:nvSpPr>
+            <p:cNvPr id="8" name="Rectangle 7">
+              <a:extLst>
+                <a:ext uri="{FF2B5EF4-FFF2-40B4-BE49-F238E27FC236}">
+                  <a16:creationId xmlns:a16="http://schemas.microsoft.com/office/drawing/2014/main" id="{612E3A2E-F5D1-6389-0D9D-CA5A87ED7A7C}"/>
+                </a:ext>
+              </a:extLst>
+            </p:cNvPr>
+            <p:cNvSpPr/>
+            <p:nvPr/>
+          </p:nvSpPr>
+          <p:spPr>
+            <a:xfrm>
+              <a:off x="135378" y="2585323"/>
+              <a:ext cx="11213326" cy="2585323"/>
+            </a:xfrm>
+            <a:prstGeom prst="rect">
+              <a:avLst/>
+            </a:prstGeom>
+            <a:solidFill>
+              <a:schemeClr val="tx1"/>
+            </a:solidFill>
+          </p:spPr>
+          <p:style>
+            <a:lnRef idx="2">
+              <a:schemeClr val="accent1">
+                <a:shade val="15000"/>
+              </a:schemeClr>
+            </a:lnRef>
+            <a:fillRef idx="1">
+              <a:schemeClr val="accent1"/>
+            </a:fillRef>
+            <a:effectRef idx="0">
+              <a:schemeClr val="accent1"/>
+            </a:effectRef>
+            <a:fontRef idx="minor">
+              <a:schemeClr val="lt1"/>
+            </a:fontRef>
+          </p:style>
+          <p:txBody>
+            <a:bodyPr rtlCol="0" anchor="ctr"/>
+            <a:lstStyle/>
+            <a:p>
+              <a:pPr algn="ctr"/>
+              <a:endParaRPr lang="en-US" dirty="0"/>
+            </a:p>
+          </p:txBody>
+        </p:sp>
+        <p:sp>
+          <p:nvSpPr>
+            <p:cNvPr id="9" name="TextBox 8">
+              <a:extLst>
+                <a:ext uri="{FF2B5EF4-FFF2-40B4-BE49-F238E27FC236}">
+                  <a16:creationId xmlns:a16="http://schemas.microsoft.com/office/drawing/2014/main" id="{FBE34702-4867-832D-B903-EA2EBCBEB41C}"/>
+                </a:ext>
+              </a:extLst>
+            </p:cNvPr>
+            <p:cNvSpPr txBox="1"/>
+            <p:nvPr/>
+          </p:nvSpPr>
+          <p:spPr>
+            <a:xfrm>
+              <a:off x="135378" y="2585323"/>
+              <a:ext cx="11213326" cy="2585323"/>
+            </a:xfrm>
+            <a:prstGeom prst="rect">
+              <a:avLst/>
+            </a:prstGeom>
+            <a:noFill/>
+          </p:spPr>
+          <p:txBody>
+            <a:bodyPr wrap="none" rtlCol="0">
+              <a:spAutoFit/>
+            </a:bodyPr>
+            <a:lstStyle/>
+            <a:p>
+              <a:r>
+                <a:rPr lang="en-US" dirty="0">
+                  <a:solidFill>
+                    <a:schemeClr val="bg1"/>
+                  </a:solidFill>
+                  <a:highlight>
+                    <a:srgbClr val="000000"/>
+                  </a:highlight>
+                  <a:latin typeface="Andale Mono" panose="020B0509000000000004" pitchFamily="49" charset="0"/>
+                </a:rPr>
+                <a:t>@NB551526:253:HF3TGBGXN:1:11101:13690:1710</a:t>
+              </a:r>
+            </a:p>
+            <a:p>
+              <a:r>
+                <a:rPr lang="en-US" dirty="0">
+                  <a:solidFill>
+                    <a:schemeClr val="bg1"/>
+                  </a:solidFill>
+                  <a:highlight>
+                    <a:srgbClr val="000000"/>
+                  </a:highlight>
+                  <a:latin typeface="Andale Mono" panose="020B0509000000000004" pitchFamily="49" charset="0"/>
+                </a:rPr>
+                <a:t>CTAAAAATACAAAAATTAGCTGGGCATGATGGTGGGTGCCTGTAATGCCAGCTACCTTGAATGCTGAGGCAGGAGAATT</a:t>
+              </a:r>
+            </a:p>
+            <a:p>
+              <a:r>
+                <a:rPr lang="en-US" dirty="0">
+                  <a:solidFill>
+                    <a:schemeClr val="bg1"/>
+                  </a:solidFill>
+                  <a:highlight>
+                    <a:srgbClr val="000000"/>
+                  </a:highlight>
+                  <a:latin typeface="Andale Mono" panose="020B0509000000000004" pitchFamily="49" charset="0"/>
+                </a:rPr>
+                <a:t>+</a:t>
+              </a:r>
+            </a:p>
+            <a:p>
+              <a:r>
+                <a:rPr lang="en-US" dirty="0">
+                  <a:solidFill>
+                    <a:schemeClr val="bg1"/>
+                  </a:solidFill>
+                  <a:highlight>
+                    <a:srgbClr val="000000"/>
+                  </a:highlight>
+                  <a:latin typeface="Andale Mono" panose="020B0509000000000004" pitchFamily="49" charset="0"/>
+                </a:rPr>
+                <a:t>AAAAAE///AAA/EAEEAA////E/EA/EEE6A//EE/A6EAE//E&lt;&lt;/E//E6A&lt;EEE6E/A/EAEA//E/6EEEEEE</a:t>
+              </a:r>
+            </a:p>
+            <a:p>
+              <a:endParaRPr lang="en-US" dirty="0">
+                <a:solidFill>
+                  <a:schemeClr val="bg1"/>
+                </a:solidFill>
+                <a:highlight>
+                  <a:srgbClr val="000000"/>
+                </a:highlight>
+                <a:latin typeface="Andale Mono" panose="020B0509000000000004" pitchFamily="49" charset="0"/>
+              </a:endParaRPr>
+            </a:p>
+            <a:p>
+              <a:r>
+                <a:rPr lang="en-US" dirty="0">
+                  <a:solidFill>
+                    <a:schemeClr val="bg1"/>
+                  </a:solidFill>
+                  <a:highlight>
+                    <a:srgbClr val="000000"/>
+                  </a:highlight>
+                  <a:latin typeface="Andale Mono" panose="020B0509000000000004" pitchFamily="49" charset="0"/>
+                </a:rPr>
+                <a:t>@NB551526:253:HF3TGBGXN:1:11101:5538:2131</a:t>
+              </a:r>
+            </a:p>
+            <a:p>
+              <a:r>
+                <a:rPr lang="en-US" dirty="0">
+                  <a:solidFill>
+                    <a:schemeClr val="bg1"/>
+                  </a:solidFill>
+                  <a:highlight>
+                    <a:srgbClr val="000000"/>
+                  </a:highlight>
+                  <a:latin typeface="Andale Mono" panose="020B0509000000000004" pitchFamily="49" charset="0"/>
+                </a:rPr>
+                <a:t>CATTTGGGGTTCCCGGACGCTGGGGGCCCTGCCCCAGCTGTTCAGGCTGTGTATTCTGGAGCATGAGGCAGGTGGAGGCT</a:t>
+              </a:r>
+            </a:p>
+            <a:p>
+              <a:r>
+                <a:rPr lang="en-US" dirty="0">
+                  <a:solidFill>
+                    <a:schemeClr val="bg1"/>
+                  </a:solidFill>
+                  <a:highlight>
+                    <a:srgbClr val="000000"/>
+                  </a:highlight>
+                  <a:latin typeface="Andale Mono" panose="020B0509000000000004" pitchFamily="49" charset="0"/>
+                </a:rPr>
+                <a:t>+</a:t>
+              </a:r>
+            </a:p>
+            <a:p>
+              <a:r>
+                <a:rPr lang="en-US" dirty="0">
+                  <a:solidFill>
+                    <a:schemeClr val="bg1"/>
+                  </a:solidFill>
+                  <a:highlight>
+                    <a:srgbClr val="000000"/>
+                  </a:highlight>
+                  <a:latin typeface="Andale Mono" panose="020B0509000000000004" pitchFamily="49" charset="0"/>
+                </a:rPr>
+                <a:t>AAAAAEEEEEEEEEEEEEEEEEEEEEEEEEEEEEEEEEEEEE&lt;AEEEEE&lt;EEEEEEEEEAEEEEEEEEEAEEEEE/EEEE</a:t>
+              </a:r>
+            </a:p>
+          </p:txBody>
+        </p:sp>
+      </p:grpSp>
+      <p:pic>
+        <p:nvPicPr>
+          <p:cNvPr id="11" name="Picture 10">
+            <a:extLst>
+              <a:ext uri="{FF2B5EF4-FFF2-40B4-BE49-F238E27FC236}">
+                <a16:creationId xmlns:a16="http://schemas.microsoft.com/office/drawing/2014/main" id="{A3BC09D6-2556-2400-DFFC-5BE4F4601323}"/>
+              </a:ext>
+            </a:extLst>
+          </p:cNvPr>
+          <p:cNvPicPr>
+            <a:picLocks noChangeAspect="1"/>
+          </p:cNvPicPr>
+          <p:nvPr/>
+        </p:nvPicPr>
+        <p:blipFill>
+          <a:blip r:embed="rId2"/>
+          <a:srcRect l="49949" b="49021"/>
+          <a:stretch>
+            <a:fillRect/>
+          </a:stretch>
+        </p:blipFill>
+        <p:spPr>
+          <a:xfrm>
+            <a:off x="4150921" y="528"/>
+            <a:ext cx="3890158" cy="368135"/>
+          </a:xfrm>
+          <a:prstGeom prst="rect">
+            <a:avLst/>
+          </a:prstGeom>
+        </p:spPr>
+      </p:pic>
+      <p:pic>
+        <p:nvPicPr>
+          <p:cNvPr id="12" name="Picture 11">
+            <a:extLst>
+              <a:ext uri="{FF2B5EF4-FFF2-40B4-BE49-F238E27FC236}">
+                <a16:creationId xmlns:a16="http://schemas.microsoft.com/office/drawing/2014/main" id="{DE5ED447-9FDA-A639-510B-7CAB3070618D}"/>
+              </a:ext>
+            </a:extLst>
+          </p:cNvPr>
+          <p:cNvPicPr>
+            <a:picLocks noChangeAspect="1"/>
+          </p:cNvPicPr>
+          <p:nvPr/>
+        </p:nvPicPr>
+        <p:blipFill>
+          <a:blip r:embed="rId2"/>
+          <a:srcRect l="50000" t="48618" b="9036"/>
+          <a:stretch>
+            <a:fillRect/>
+          </a:stretch>
+        </p:blipFill>
+        <p:spPr>
+          <a:xfrm>
+            <a:off x="4150921" y="3703617"/>
+            <a:ext cx="3886200" cy="305790"/>
+          </a:xfrm>
+          <a:prstGeom prst="rect">
+            <a:avLst/>
+          </a:prstGeom>
+        </p:spPr>
+      </p:pic>
+      <p:sp>
+        <p:nvSpPr>
+          <p:cNvPr id="13" name="Oval 12">
+            <a:extLst>
+              <a:ext uri="{FF2B5EF4-FFF2-40B4-BE49-F238E27FC236}">
+                <a16:creationId xmlns:a16="http://schemas.microsoft.com/office/drawing/2014/main" id="{9AF0FE9A-7ADB-A0D7-087A-0A9C2AFFCBDC}"/>
+              </a:ext>
+            </a:extLst>
+          </p:cNvPr>
+          <p:cNvSpPr>
+            <a:spLocks noChangeAspect="1"/>
+          </p:cNvSpPr>
+          <p:nvPr/>
+        </p:nvSpPr>
+        <p:spPr>
+          <a:xfrm>
+            <a:off x="286136" y="428353"/>
+            <a:ext cx="274320" cy="274320"/>
+          </a:xfrm>
+          <a:prstGeom prst="ellipse">
+            <a:avLst/>
+          </a:prstGeom>
+          <a:solidFill>
+            <a:schemeClr val="bg2">
+              <a:lumMod val="90000"/>
+            </a:schemeClr>
+          </a:solidFill>
+          <a:ln w="6350"/>
+        </p:spPr>
+        <p:style>
+          <a:lnRef idx="2">
+            <a:schemeClr val="accent1">
+              <a:shade val="15000"/>
+            </a:schemeClr>
+          </a:lnRef>
+          <a:fillRef idx="1">
+            <a:schemeClr val="accent1"/>
+          </a:fillRef>
+          <a:effectRef idx="0">
+            <a:schemeClr val="accent1"/>
+          </a:effectRef>
+          <a:fontRef idx="minor">
+            <a:schemeClr val="lt1"/>
+          </a:fontRef>
+        </p:style>
+        <p:txBody>
+          <a:bodyPr rtlCol="0" anchor="ctr"/>
+          <a:lstStyle/>
+          <a:p>
+            <a:pPr algn="ctr"/>
+            <a:r>
+              <a:rPr lang="en-US" dirty="0">
+                <a:solidFill>
+                  <a:schemeClr val="tx1"/>
+                </a:solidFill>
+              </a:rPr>
+              <a:t>a</a:t>
+            </a:r>
+          </a:p>
+        </p:txBody>
+      </p:sp>
+      <p:sp>
+        <p:nvSpPr>
+          <p:cNvPr id="14" name="Oval 13">
+            <a:extLst>
+              <a:ext uri="{FF2B5EF4-FFF2-40B4-BE49-F238E27FC236}">
+                <a16:creationId xmlns:a16="http://schemas.microsoft.com/office/drawing/2014/main" id="{B98ADC6C-673C-6216-DC90-81777C798C0E}"/>
+              </a:ext>
+            </a:extLst>
+          </p:cNvPr>
+          <p:cNvSpPr>
+            <a:spLocks noChangeAspect="1"/>
+          </p:cNvSpPr>
+          <p:nvPr/>
+        </p:nvSpPr>
+        <p:spPr>
+          <a:xfrm>
+            <a:off x="286136" y="718715"/>
+            <a:ext cx="274320" cy="274320"/>
+          </a:xfrm>
+          <a:prstGeom prst="ellipse">
+            <a:avLst/>
+          </a:prstGeom>
+          <a:solidFill>
+            <a:schemeClr val="bg2">
+              <a:lumMod val="90000"/>
+            </a:schemeClr>
+          </a:solidFill>
+          <a:ln w="6350"/>
+        </p:spPr>
+        <p:style>
+          <a:lnRef idx="2">
+            <a:schemeClr val="accent1">
+              <a:shade val="15000"/>
+            </a:schemeClr>
+          </a:lnRef>
+          <a:fillRef idx="1">
+            <a:schemeClr val="accent1"/>
+          </a:fillRef>
+          <a:effectRef idx="0">
+            <a:schemeClr val="accent1"/>
+          </a:effectRef>
+          <a:fontRef idx="minor">
+            <a:schemeClr val="lt1"/>
+          </a:fontRef>
+        </p:style>
+        <p:txBody>
+          <a:bodyPr rtlCol="0" anchor="ctr"/>
+          <a:lstStyle/>
+          <a:p>
+            <a:pPr algn="ctr"/>
+            <a:r>
+              <a:rPr lang="en-US" dirty="0">
+                <a:solidFill>
+                  <a:schemeClr val="tx1"/>
+                </a:solidFill>
+              </a:rPr>
+              <a:t>b</a:t>
+            </a:r>
+          </a:p>
+        </p:txBody>
+      </p:sp>
+      <p:sp>
+        <p:nvSpPr>
+          <p:cNvPr id="15" name="Oval 14">
+            <a:extLst>
+              <a:ext uri="{FF2B5EF4-FFF2-40B4-BE49-F238E27FC236}">
+                <a16:creationId xmlns:a16="http://schemas.microsoft.com/office/drawing/2014/main" id="{87A209A6-1ED1-900A-99F2-368E2365052E}"/>
+              </a:ext>
+            </a:extLst>
+          </p:cNvPr>
+          <p:cNvSpPr>
+            <a:spLocks noChangeAspect="1"/>
+          </p:cNvSpPr>
+          <p:nvPr/>
+        </p:nvSpPr>
+        <p:spPr>
+          <a:xfrm>
+            <a:off x="286136" y="1264146"/>
+            <a:ext cx="274320" cy="274320"/>
+          </a:xfrm>
+          <a:prstGeom prst="ellipse">
+            <a:avLst/>
+          </a:prstGeom>
+          <a:solidFill>
+            <a:schemeClr val="bg2">
+              <a:lumMod val="90000"/>
+            </a:schemeClr>
+          </a:solidFill>
+          <a:ln w="6350"/>
+        </p:spPr>
+        <p:style>
+          <a:lnRef idx="2">
+            <a:schemeClr val="accent1">
+              <a:shade val="15000"/>
+            </a:schemeClr>
+          </a:lnRef>
+          <a:fillRef idx="1">
+            <a:schemeClr val="accent1"/>
+          </a:fillRef>
+          <a:effectRef idx="0">
+            <a:schemeClr val="accent1"/>
+          </a:effectRef>
+          <a:fontRef idx="minor">
+            <a:schemeClr val="lt1"/>
+          </a:fontRef>
+        </p:style>
+        <p:txBody>
+          <a:bodyPr rtlCol="0" anchor="ctr"/>
+          <a:lstStyle/>
+          <a:p>
+            <a:pPr algn="ctr"/>
+            <a:r>
+              <a:rPr lang="en-US" dirty="0">
+                <a:solidFill>
+                  <a:schemeClr val="tx1"/>
+                </a:solidFill>
+              </a:rPr>
+              <a:t>c</a:t>
+            </a:r>
+          </a:p>
+        </p:txBody>
+      </p:sp>
+      <p:sp>
+        <p:nvSpPr>
+          <p:cNvPr id="16" name="Oval 15">
+            <a:extLst>
+              <a:ext uri="{FF2B5EF4-FFF2-40B4-BE49-F238E27FC236}">
+                <a16:creationId xmlns:a16="http://schemas.microsoft.com/office/drawing/2014/main" id="{4372922A-0DA1-5197-2CB7-EA36F5196BFB}"/>
+              </a:ext>
+            </a:extLst>
+          </p:cNvPr>
+          <p:cNvSpPr>
+            <a:spLocks noChangeAspect="1"/>
+          </p:cNvSpPr>
+          <p:nvPr/>
+        </p:nvSpPr>
+        <p:spPr>
+          <a:xfrm>
+            <a:off x="286136" y="1847416"/>
+            <a:ext cx="274320" cy="274320"/>
+          </a:xfrm>
+          <a:prstGeom prst="ellipse">
+            <a:avLst/>
+          </a:prstGeom>
+          <a:solidFill>
+            <a:schemeClr val="bg2">
+              <a:lumMod val="90000"/>
+            </a:schemeClr>
+          </a:solidFill>
+          <a:ln w="6350"/>
+        </p:spPr>
+        <p:style>
+          <a:lnRef idx="2">
+            <a:schemeClr val="accent1">
+              <a:shade val="15000"/>
+            </a:schemeClr>
+          </a:lnRef>
+          <a:fillRef idx="1">
+            <a:schemeClr val="accent1"/>
+          </a:fillRef>
+          <a:effectRef idx="0">
+            <a:schemeClr val="accent1"/>
+          </a:effectRef>
+          <a:fontRef idx="minor">
+            <a:schemeClr val="lt1"/>
+          </a:fontRef>
+        </p:style>
+        <p:txBody>
+          <a:bodyPr rtlCol="0" anchor="ctr"/>
+          <a:lstStyle/>
+          <a:p>
+            <a:pPr algn="ctr"/>
+            <a:r>
+              <a:rPr lang="en-US" dirty="0">
+                <a:solidFill>
+                  <a:schemeClr val="tx1"/>
+                </a:solidFill>
+              </a:rPr>
+              <a:t>d</a:t>
+            </a:r>
+          </a:p>
+        </p:txBody>
+      </p:sp>
+      <p:sp>
+        <p:nvSpPr>
+          <p:cNvPr id="17" name="Oval 16">
+            <a:extLst>
+              <a:ext uri="{FF2B5EF4-FFF2-40B4-BE49-F238E27FC236}">
+                <a16:creationId xmlns:a16="http://schemas.microsoft.com/office/drawing/2014/main" id="{16C6E8E2-9D87-19A3-80BC-EDDA0A73EB15}"/>
+              </a:ext>
+            </a:extLst>
+          </p:cNvPr>
+          <p:cNvSpPr>
+            <a:spLocks noChangeAspect="1"/>
+          </p:cNvSpPr>
+          <p:nvPr/>
+        </p:nvSpPr>
+        <p:spPr>
+          <a:xfrm>
+            <a:off x="286136" y="2146245"/>
+            <a:ext cx="274320" cy="274320"/>
+          </a:xfrm>
+          <a:prstGeom prst="ellipse">
+            <a:avLst/>
+          </a:prstGeom>
+          <a:solidFill>
+            <a:schemeClr val="bg2">
+              <a:lumMod val="90000"/>
+            </a:schemeClr>
+          </a:solidFill>
+          <a:ln w="6350"/>
+        </p:spPr>
+        <p:style>
+          <a:lnRef idx="2">
+            <a:schemeClr val="accent1">
+              <a:shade val="15000"/>
+            </a:schemeClr>
+          </a:lnRef>
+          <a:fillRef idx="1">
+            <a:schemeClr val="accent1"/>
+          </a:fillRef>
+          <a:effectRef idx="0">
+            <a:schemeClr val="accent1"/>
+          </a:effectRef>
+          <a:fontRef idx="minor">
+            <a:schemeClr val="lt1"/>
+          </a:fontRef>
+        </p:style>
+        <p:txBody>
+          <a:bodyPr rtlCol="0" anchor="ctr"/>
+          <a:lstStyle/>
+          <a:p>
+            <a:pPr algn="ctr"/>
+            <a:r>
+              <a:rPr lang="en-US" dirty="0">
+                <a:solidFill>
+                  <a:schemeClr val="tx1"/>
+                </a:solidFill>
+              </a:rPr>
+              <a:t>e</a:t>
+            </a:r>
+          </a:p>
+        </p:txBody>
+      </p:sp>
+      <p:sp>
+        <p:nvSpPr>
+          <p:cNvPr id="18" name="Oval 17">
+            <a:extLst>
+              <a:ext uri="{FF2B5EF4-FFF2-40B4-BE49-F238E27FC236}">
+                <a16:creationId xmlns:a16="http://schemas.microsoft.com/office/drawing/2014/main" id="{E72BECC3-6393-E1BF-EC11-CC218DDE9334}"/>
+              </a:ext>
+            </a:extLst>
+          </p:cNvPr>
+          <p:cNvSpPr>
+            <a:spLocks noChangeAspect="1"/>
+          </p:cNvSpPr>
+          <p:nvPr/>
+        </p:nvSpPr>
+        <p:spPr>
+          <a:xfrm>
+            <a:off x="286136" y="2683209"/>
+            <a:ext cx="274320" cy="274320"/>
+          </a:xfrm>
+          <a:prstGeom prst="ellipse">
+            <a:avLst/>
+          </a:prstGeom>
+          <a:solidFill>
+            <a:schemeClr val="bg2">
+              <a:lumMod val="90000"/>
+            </a:schemeClr>
+          </a:solidFill>
+          <a:ln w="6350"/>
+        </p:spPr>
+        <p:style>
+          <a:lnRef idx="2">
+            <a:schemeClr val="accent1">
+              <a:shade val="15000"/>
+            </a:schemeClr>
+          </a:lnRef>
+          <a:fillRef idx="1">
+            <a:schemeClr val="accent1"/>
+          </a:fillRef>
+          <a:effectRef idx="0">
+            <a:schemeClr val="accent1"/>
+          </a:effectRef>
+          <a:fontRef idx="minor">
+            <a:schemeClr val="lt1"/>
+          </a:fontRef>
+        </p:style>
+        <p:txBody>
+          <a:bodyPr rtlCol="0" anchor="ctr"/>
+          <a:lstStyle/>
+          <a:p>
+            <a:pPr algn="ctr"/>
+            <a:r>
+              <a:rPr lang="en-US" dirty="0">
+                <a:solidFill>
+                  <a:schemeClr val="tx1"/>
+                </a:solidFill>
+              </a:rPr>
+              <a:t>f</a:t>
+            </a:r>
+          </a:p>
+        </p:txBody>
+      </p:sp>
+      <p:sp>
+        <p:nvSpPr>
+          <p:cNvPr id="19" name="Oval 18">
+            <a:extLst>
+              <a:ext uri="{FF2B5EF4-FFF2-40B4-BE49-F238E27FC236}">
+                <a16:creationId xmlns:a16="http://schemas.microsoft.com/office/drawing/2014/main" id="{A54730C3-698A-2F7F-D82D-88FD133AEF84}"/>
+              </a:ext>
+            </a:extLst>
+          </p:cNvPr>
+          <p:cNvSpPr>
+            <a:spLocks noChangeAspect="1"/>
+          </p:cNvSpPr>
+          <p:nvPr/>
+        </p:nvSpPr>
+        <p:spPr>
+          <a:xfrm>
+            <a:off x="286136" y="4046517"/>
+            <a:ext cx="274320" cy="274320"/>
+          </a:xfrm>
+          <a:prstGeom prst="ellipse">
+            <a:avLst/>
+          </a:prstGeom>
+          <a:solidFill>
+            <a:schemeClr val="bg2">
+              <a:lumMod val="90000"/>
+            </a:schemeClr>
+          </a:solidFill>
+          <a:ln w="6350"/>
+        </p:spPr>
+        <p:style>
+          <a:lnRef idx="2">
+            <a:schemeClr val="accent1">
+              <a:shade val="15000"/>
+            </a:schemeClr>
+          </a:lnRef>
+          <a:fillRef idx="1">
+            <a:schemeClr val="accent1"/>
+          </a:fillRef>
+          <a:effectRef idx="0">
+            <a:schemeClr val="accent1"/>
+          </a:effectRef>
+          <a:fontRef idx="minor">
+            <a:schemeClr val="lt1"/>
+          </a:fontRef>
+        </p:style>
+        <p:txBody>
+          <a:bodyPr rtlCol="0" anchor="ctr"/>
+          <a:lstStyle/>
+          <a:p>
+            <a:pPr algn="ctr"/>
+            <a:r>
+              <a:rPr lang="en-US" dirty="0">
+                <a:solidFill>
+                  <a:schemeClr val="tx1"/>
+                </a:solidFill>
+              </a:rPr>
+              <a:t>g</a:t>
+            </a:r>
+          </a:p>
+        </p:txBody>
+      </p:sp>
+      <p:sp>
+        <p:nvSpPr>
+          <p:cNvPr id="20" name="Oval 19">
+            <a:extLst>
+              <a:ext uri="{FF2B5EF4-FFF2-40B4-BE49-F238E27FC236}">
+                <a16:creationId xmlns:a16="http://schemas.microsoft.com/office/drawing/2014/main" id="{634624DB-F351-A430-999C-5E04C0E2A077}"/>
+              </a:ext>
+            </a:extLst>
+          </p:cNvPr>
+          <p:cNvSpPr>
+            <a:spLocks noChangeAspect="1"/>
+          </p:cNvSpPr>
+          <p:nvPr/>
+        </p:nvSpPr>
+        <p:spPr>
+          <a:xfrm>
+            <a:off x="286136" y="4336879"/>
+            <a:ext cx="274320" cy="274320"/>
+          </a:xfrm>
+          <a:prstGeom prst="ellipse">
+            <a:avLst/>
+          </a:prstGeom>
+          <a:solidFill>
+            <a:schemeClr val="bg2">
+              <a:lumMod val="90000"/>
+            </a:schemeClr>
+          </a:solidFill>
+          <a:ln w="6350"/>
+        </p:spPr>
+        <p:style>
+          <a:lnRef idx="2">
+            <a:schemeClr val="accent1">
+              <a:shade val="15000"/>
+            </a:schemeClr>
+          </a:lnRef>
+          <a:fillRef idx="1">
+            <a:schemeClr val="accent1"/>
+          </a:fillRef>
+          <a:effectRef idx="0">
+            <a:schemeClr val="accent1"/>
+          </a:effectRef>
+          <a:fontRef idx="minor">
+            <a:schemeClr val="lt1"/>
+          </a:fontRef>
+        </p:style>
+        <p:txBody>
+          <a:bodyPr rtlCol="0" anchor="ctr"/>
+          <a:lstStyle/>
+          <a:p>
+            <a:pPr algn="ctr"/>
+            <a:r>
+              <a:rPr lang="en-US" dirty="0">
+                <a:solidFill>
+                  <a:schemeClr val="tx1"/>
+                </a:solidFill>
+              </a:rPr>
+              <a:t>h</a:t>
+            </a:r>
+          </a:p>
+        </p:txBody>
+      </p:sp>
+      <p:sp>
+        <p:nvSpPr>
+          <p:cNvPr id="21" name="Oval 20">
+            <a:extLst>
+              <a:ext uri="{FF2B5EF4-FFF2-40B4-BE49-F238E27FC236}">
+                <a16:creationId xmlns:a16="http://schemas.microsoft.com/office/drawing/2014/main" id="{16348CAA-9C43-DBD4-9543-10829F713A92}"/>
+              </a:ext>
+            </a:extLst>
+          </p:cNvPr>
+          <p:cNvSpPr>
+            <a:spLocks noChangeAspect="1"/>
+          </p:cNvSpPr>
+          <p:nvPr/>
+        </p:nvSpPr>
+        <p:spPr>
+          <a:xfrm>
+            <a:off x="286136" y="4882310"/>
+            <a:ext cx="274320" cy="274320"/>
+          </a:xfrm>
+          <a:prstGeom prst="ellipse">
+            <a:avLst/>
+          </a:prstGeom>
+          <a:solidFill>
+            <a:schemeClr val="bg2">
+              <a:lumMod val="90000"/>
+            </a:schemeClr>
+          </a:solidFill>
+          <a:ln w="6350"/>
+        </p:spPr>
+        <p:style>
+          <a:lnRef idx="2">
+            <a:schemeClr val="accent1">
+              <a:shade val="15000"/>
+            </a:schemeClr>
+          </a:lnRef>
+          <a:fillRef idx="1">
+            <a:schemeClr val="accent1"/>
+          </a:fillRef>
+          <a:effectRef idx="0">
+            <a:schemeClr val="accent1"/>
+          </a:effectRef>
+          <a:fontRef idx="minor">
+            <a:schemeClr val="lt1"/>
+          </a:fontRef>
+        </p:style>
+        <p:txBody>
+          <a:bodyPr rtlCol="0" anchor="ctr"/>
+          <a:lstStyle/>
+          <a:p>
+            <a:pPr algn="ctr"/>
+            <a:r>
+              <a:rPr lang="en-US" dirty="0">
+                <a:solidFill>
+                  <a:schemeClr val="tx1"/>
+                </a:solidFill>
+              </a:rPr>
+              <a:t>i</a:t>
+            </a:r>
+          </a:p>
+        </p:txBody>
+      </p:sp>
+      <p:sp>
+        <p:nvSpPr>
+          <p:cNvPr id="22" name="Oval 21">
+            <a:extLst>
+              <a:ext uri="{FF2B5EF4-FFF2-40B4-BE49-F238E27FC236}">
+                <a16:creationId xmlns:a16="http://schemas.microsoft.com/office/drawing/2014/main" id="{C5704255-3DA1-A66D-20AE-1C584581E7D7}"/>
+              </a:ext>
+            </a:extLst>
+          </p:cNvPr>
+          <p:cNvSpPr>
+            <a:spLocks noChangeAspect="1"/>
+          </p:cNvSpPr>
+          <p:nvPr/>
+        </p:nvSpPr>
+        <p:spPr>
+          <a:xfrm>
+            <a:off x="286136" y="5497664"/>
+            <a:ext cx="274320" cy="274320"/>
+          </a:xfrm>
+          <a:prstGeom prst="ellipse">
+            <a:avLst/>
+          </a:prstGeom>
+          <a:solidFill>
+            <a:schemeClr val="bg2">
+              <a:lumMod val="90000"/>
+            </a:schemeClr>
+          </a:solidFill>
+          <a:ln w="6350"/>
+        </p:spPr>
+        <p:style>
+          <a:lnRef idx="2">
+            <a:schemeClr val="accent1">
+              <a:shade val="15000"/>
+            </a:schemeClr>
+          </a:lnRef>
+          <a:fillRef idx="1">
+            <a:schemeClr val="accent1"/>
+          </a:fillRef>
+          <a:effectRef idx="0">
+            <a:schemeClr val="accent1"/>
+          </a:effectRef>
+          <a:fontRef idx="minor">
+            <a:schemeClr val="lt1"/>
+          </a:fontRef>
+        </p:style>
+        <p:txBody>
+          <a:bodyPr rtlCol="0" anchor="ctr"/>
+          <a:lstStyle/>
+          <a:p>
+            <a:pPr algn="ctr"/>
+            <a:r>
+              <a:rPr lang="en-US" dirty="0">
+                <a:solidFill>
+                  <a:schemeClr val="tx1"/>
+                </a:solidFill>
+              </a:rPr>
+              <a:t>j</a:t>
+            </a:r>
+          </a:p>
+        </p:txBody>
+      </p:sp>
+      <p:sp>
+        <p:nvSpPr>
+          <p:cNvPr id="23" name="Oval 22">
+            <a:extLst>
+              <a:ext uri="{FF2B5EF4-FFF2-40B4-BE49-F238E27FC236}">
+                <a16:creationId xmlns:a16="http://schemas.microsoft.com/office/drawing/2014/main" id="{3213EFCD-3103-3473-0CE1-36D2B658E59C}"/>
+              </a:ext>
+            </a:extLst>
+          </p:cNvPr>
+          <p:cNvSpPr>
+            <a:spLocks noChangeAspect="1"/>
+          </p:cNvSpPr>
+          <p:nvPr/>
+        </p:nvSpPr>
+        <p:spPr>
+          <a:xfrm>
+            <a:off x="286136" y="5788026"/>
+            <a:ext cx="274320" cy="274320"/>
+          </a:xfrm>
+          <a:prstGeom prst="ellipse">
+            <a:avLst/>
+          </a:prstGeom>
+          <a:solidFill>
+            <a:schemeClr val="bg2">
+              <a:lumMod val="90000"/>
+            </a:schemeClr>
+          </a:solidFill>
+          <a:ln w="6350"/>
+        </p:spPr>
+        <p:style>
+          <a:lnRef idx="2">
+            <a:schemeClr val="accent1">
+              <a:shade val="15000"/>
+            </a:schemeClr>
+          </a:lnRef>
+          <a:fillRef idx="1">
+            <a:schemeClr val="accent1"/>
+          </a:fillRef>
+          <a:effectRef idx="0">
+            <a:schemeClr val="accent1"/>
+          </a:effectRef>
+          <a:fontRef idx="minor">
+            <a:schemeClr val="lt1"/>
+          </a:fontRef>
+        </p:style>
+        <p:txBody>
+          <a:bodyPr rtlCol="0" anchor="ctr"/>
+          <a:lstStyle/>
+          <a:p>
+            <a:pPr algn="ctr"/>
+            <a:r>
+              <a:rPr lang="en-US" dirty="0">
+                <a:solidFill>
+                  <a:schemeClr val="tx1"/>
+                </a:solidFill>
+              </a:rPr>
+              <a:t>k</a:t>
+            </a:r>
+          </a:p>
+        </p:txBody>
+      </p:sp>
+      <p:sp>
+        <p:nvSpPr>
+          <p:cNvPr id="24" name="Oval 23">
+            <a:extLst>
+              <a:ext uri="{FF2B5EF4-FFF2-40B4-BE49-F238E27FC236}">
+                <a16:creationId xmlns:a16="http://schemas.microsoft.com/office/drawing/2014/main" id="{0B25BDA1-A7FC-929C-19ED-AE17E709B24D}"/>
+              </a:ext>
+            </a:extLst>
+          </p:cNvPr>
+          <p:cNvSpPr>
+            <a:spLocks noChangeAspect="1"/>
+          </p:cNvSpPr>
+          <p:nvPr/>
+        </p:nvSpPr>
+        <p:spPr>
+          <a:xfrm>
+            <a:off x="286136" y="6333457"/>
+            <a:ext cx="274320" cy="274320"/>
+          </a:xfrm>
+          <a:prstGeom prst="ellipse">
+            <a:avLst/>
+          </a:prstGeom>
+          <a:solidFill>
+            <a:schemeClr val="bg2">
+              <a:lumMod val="90000"/>
+            </a:schemeClr>
+          </a:solidFill>
+          <a:ln w="6350"/>
+        </p:spPr>
+        <p:style>
+          <a:lnRef idx="2">
+            <a:schemeClr val="accent1">
+              <a:shade val="15000"/>
+            </a:schemeClr>
+          </a:lnRef>
+          <a:fillRef idx="1">
+            <a:schemeClr val="accent1"/>
+          </a:fillRef>
+          <a:effectRef idx="0">
+            <a:schemeClr val="accent1"/>
+          </a:effectRef>
+          <a:fontRef idx="minor">
+            <a:schemeClr val="lt1"/>
+          </a:fontRef>
+        </p:style>
+        <p:txBody>
+          <a:bodyPr rtlCol="0" anchor="ctr"/>
+          <a:lstStyle/>
+          <a:p>
+            <a:pPr algn="ctr"/>
+            <a:r>
+              <a:rPr lang="en-US" dirty="0">
+                <a:solidFill>
+                  <a:schemeClr val="tx1"/>
+                </a:solidFill>
+              </a:rPr>
+              <a:t>l</a:t>
+            </a:r>
+          </a:p>
+        </p:txBody>
+      </p:sp>
+    </p:spTree>
+    <p:extLst>
+      <p:ext uri="{BB962C8B-B14F-4D97-AF65-F5344CB8AC3E}">
+        <p14:creationId xmlns:p14="http://schemas.microsoft.com/office/powerpoint/2010/main" val="1751625111"/>
       </p:ext>
     </p:extLst>
   </p:cSld>

--- a/_posts/sequencing_v2/figs.pptx
+++ b/_posts/sequencing_v2/figs.pptx
@@ -20,6 +20,7 @@
     <p:sldId id="269" r:id="rId14"/>
     <p:sldId id="270" r:id="rId15"/>
     <p:sldId id="271" r:id="rId16"/>
+    <p:sldId id="273" r:id="rId17"/>
   </p:sldIdLst>
   <p:sldSz cx="12192000" cy="6858000"/>
   <p:notesSz cx="6858000" cy="9144000"/>
@@ -273,7 +274,7 @@
           <a:p>
             <a:fld id="{BA232A5E-0237-BC48-B345-AD0F7AC72E4B}" type="datetimeFigureOut">
               <a:rPr lang="en-US" smtClean="0"/>
-              <a:t>7/29/25</a:t>
+              <a:t>7/31/25</a:t>
             </a:fld>
             <a:endParaRPr lang="en-US"/>
           </a:p>
@@ -471,7 +472,7 @@
           <a:p>
             <a:fld id="{BA232A5E-0237-BC48-B345-AD0F7AC72E4B}" type="datetimeFigureOut">
               <a:rPr lang="en-US" smtClean="0"/>
-              <a:t>7/29/25</a:t>
+              <a:t>7/31/25</a:t>
             </a:fld>
             <a:endParaRPr lang="en-US"/>
           </a:p>
@@ -679,7 +680,7 @@
           <a:p>
             <a:fld id="{BA232A5E-0237-BC48-B345-AD0F7AC72E4B}" type="datetimeFigureOut">
               <a:rPr lang="en-US" smtClean="0"/>
-              <a:t>7/29/25</a:t>
+              <a:t>7/31/25</a:t>
             </a:fld>
             <a:endParaRPr lang="en-US"/>
           </a:p>
@@ -877,7 +878,7 @@
           <a:p>
             <a:fld id="{BA232A5E-0237-BC48-B345-AD0F7AC72E4B}" type="datetimeFigureOut">
               <a:rPr lang="en-US" smtClean="0"/>
-              <a:t>7/29/25</a:t>
+              <a:t>7/31/25</a:t>
             </a:fld>
             <a:endParaRPr lang="en-US"/>
           </a:p>
@@ -1152,7 +1153,7 @@
           <a:p>
             <a:fld id="{BA232A5E-0237-BC48-B345-AD0F7AC72E4B}" type="datetimeFigureOut">
               <a:rPr lang="en-US" smtClean="0"/>
-              <a:t>7/29/25</a:t>
+              <a:t>7/31/25</a:t>
             </a:fld>
             <a:endParaRPr lang="en-US"/>
           </a:p>
@@ -1417,7 +1418,7 @@
           <a:p>
             <a:fld id="{BA232A5E-0237-BC48-B345-AD0F7AC72E4B}" type="datetimeFigureOut">
               <a:rPr lang="en-US" smtClean="0"/>
-              <a:t>7/29/25</a:t>
+              <a:t>7/31/25</a:t>
             </a:fld>
             <a:endParaRPr lang="en-US"/>
           </a:p>
@@ -1829,7 +1830,7 @@
           <a:p>
             <a:fld id="{BA232A5E-0237-BC48-B345-AD0F7AC72E4B}" type="datetimeFigureOut">
               <a:rPr lang="en-US" smtClean="0"/>
-              <a:t>7/29/25</a:t>
+              <a:t>7/31/25</a:t>
             </a:fld>
             <a:endParaRPr lang="en-US"/>
           </a:p>
@@ -1970,7 +1971,7 @@
           <a:p>
             <a:fld id="{BA232A5E-0237-BC48-B345-AD0F7AC72E4B}" type="datetimeFigureOut">
               <a:rPr lang="en-US" smtClean="0"/>
-              <a:t>7/29/25</a:t>
+              <a:t>7/31/25</a:t>
             </a:fld>
             <a:endParaRPr lang="en-US"/>
           </a:p>
@@ -2083,7 +2084,7 @@
           <a:p>
             <a:fld id="{BA232A5E-0237-BC48-B345-AD0F7AC72E4B}" type="datetimeFigureOut">
               <a:rPr lang="en-US" smtClean="0"/>
-              <a:t>7/29/25</a:t>
+              <a:t>7/31/25</a:t>
             </a:fld>
             <a:endParaRPr lang="en-US"/>
           </a:p>
@@ -2394,7 +2395,7 @@
           <a:p>
             <a:fld id="{BA232A5E-0237-BC48-B345-AD0F7AC72E4B}" type="datetimeFigureOut">
               <a:rPr lang="en-US" smtClean="0"/>
-              <a:t>7/29/25</a:t>
+              <a:t>7/31/25</a:t>
             </a:fld>
             <a:endParaRPr lang="en-US"/>
           </a:p>
@@ -2682,7 +2683,7 @@
           <a:p>
             <a:fld id="{BA232A5E-0237-BC48-B345-AD0F7AC72E4B}" type="datetimeFigureOut">
               <a:rPr lang="en-US" smtClean="0"/>
-              <a:t>7/29/25</a:t>
+              <a:t>7/31/25</a:t>
             </a:fld>
             <a:endParaRPr lang="en-US"/>
           </a:p>
@@ -2923,7 +2924,7 @@
           <a:p>
             <a:fld id="{BA232A5E-0237-BC48-B345-AD0F7AC72E4B}" type="datetimeFigureOut">
               <a:rPr lang="en-US" smtClean="0"/>
-              <a:t>7/29/25</a:t>
+              <a:t>7/31/25</a:t>
             </a:fld>
             <a:endParaRPr lang="en-US"/>
           </a:p>
@@ -22551,6 +22552,1155 @@
     <p:extLst>
       <p:ext uri="{BB962C8B-B14F-4D97-AF65-F5344CB8AC3E}">
         <p14:creationId xmlns:p14="http://schemas.microsoft.com/office/powerpoint/2010/main" val="278312797"/>
+      </p:ext>
+    </p:extLst>
+  </p:cSld>
+  <p:clrMapOvr>
+    <a:masterClrMapping/>
+  </p:clrMapOvr>
+</p:sld>
+</file>
+
+<file path=ppt/slides/slide16.xml><?xml version="1.0" encoding="utf-8"?>
+<p:sld xmlns:a="http://schemas.openxmlformats.org/drawingml/2006/main" xmlns:r="http://schemas.openxmlformats.org/officeDocument/2006/relationships" xmlns:p="http://schemas.openxmlformats.org/presentationml/2006/main">
+  <p:cSld>
+    <p:spTree>
+      <p:nvGrpSpPr>
+        <p:cNvPr id="1" name=""/>
+        <p:cNvGrpSpPr/>
+        <p:nvPr/>
+      </p:nvGrpSpPr>
+      <p:grpSpPr>
+        <a:xfrm>
+          <a:off x="0" y="0"/>
+          <a:ext cx="0" cy="0"/>
+          <a:chOff x="0" y="0"/>
+          <a:chExt cx="0" cy="0"/>
+        </a:xfrm>
+      </p:grpSpPr>
+      <p:sp>
+        <p:nvSpPr>
+          <p:cNvPr id="4" name="Rectangle 3">
+            <a:extLst>
+              <a:ext uri="{FF2B5EF4-FFF2-40B4-BE49-F238E27FC236}">
+                <a16:creationId xmlns:a16="http://schemas.microsoft.com/office/drawing/2014/main" id="{6E6A8EF0-E293-6ECE-4E46-6BD52B0B6DED}"/>
+              </a:ext>
+            </a:extLst>
+          </p:cNvPr>
+          <p:cNvSpPr/>
+          <p:nvPr/>
+        </p:nvSpPr>
+        <p:spPr>
+          <a:xfrm>
+            <a:off x="1026240" y="1007039"/>
+            <a:ext cx="2008162" cy="158044"/>
+          </a:xfrm>
+          <a:prstGeom prst="rect">
+            <a:avLst/>
+          </a:prstGeom>
+          <a:solidFill>
+            <a:schemeClr val="bg2">
+              <a:lumMod val="75000"/>
+            </a:schemeClr>
+          </a:solidFill>
+          <a:ln>
+            <a:noFill/>
+          </a:ln>
+        </p:spPr>
+        <p:style>
+          <a:lnRef idx="2">
+            <a:schemeClr val="accent1">
+              <a:shade val="15000"/>
+            </a:schemeClr>
+          </a:lnRef>
+          <a:fillRef idx="1">
+            <a:schemeClr val="accent1"/>
+          </a:fillRef>
+          <a:effectRef idx="0">
+            <a:schemeClr val="accent1"/>
+          </a:effectRef>
+          <a:fontRef idx="minor">
+            <a:schemeClr val="lt1"/>
+          </a:fontRef>
+        </p:style>
+        <p:txBody>
+          <a:bodyPr rtlCol="0" anchor="ctr"/>
+          <a:lstStyle/>
+          <a:p>
+            <a:pPr algn="ctr"/>
+            <a:endParaRPr lang="en-US" sz="1200" dirty="0"/>
+          </a:p>
+        </p:txBody>
+      </p:sp>
+      <p:sp>
+        <p:nvSpPr>
+          <p:cNvPr id="5" name="Rectangle 4">
+            <a:extLst>
+              <a:ext uri="{FF2B5EF4-FFF2-40B4-BE49-F238E27FC236}">
+                <a16:creationId xmlns:a16="http://schemas.microsoft.com/office/drawing/2014/main" id="{0FE12F15-95D1-8772-2417-4D7D2666B971}"/>
+              </a:ext>
+            </a:extLst>
+          </p:cNvPr>
+          <p:cNvSpPr/>
+          <p:nvPr/>
+        </p:nvSpPr>
+        <p:spPr>
+          <a:xfrm>
+            <a:off x="1026240" y="1381041"/>
+            <a:ext cx="2008162" cy="158044"/>
+          </a:xfrm>
+          <a:prstGeom prst="rect">
+            <a:avLst/>
+          </a:prstGeom>
+          <a:solidFill>
+            <a:schemeClr val="bg2">
+              <a:lumMod val="75000"/>
+            </a:schemeClr>
+          </a:solidFill>
+          <a:ln>
+            <a:noFill/>
+          </a:ln>
+        </p:spPr>
+        <p:style>
+          <a:lnRef idx="2">
+            <a:schemeClr val="accent1">
+              <a:shade val="15000"/>
+            </a:schemeClr>
+          </a:lnRef>
+          <a:fillRef idx="1">
+            <a:schemeClr val="accent1"/>
+          </a:fillRef>
+          <a:effectRef idx="0">
+            <a:schemeClr val="accent1"/>
+          </a:effectRef>
+          <a:fontRef idx="minor">
+            <a:schemeClr val="lt1"/>
+          </a:fontRef>
+        </p:style>
+        <p:txBody>
+          <a:bodyPr rtlCol="0" anchor="ctr"/>
+          <a:lstStyle/>
+          <a:p>
+            <a:pPr algn="ctr"/>
+            <a:endParaRPr lang="en-US" sz="1200" dirty="0"/>
+          </a:p>
+        </p:txBody>
+      </p:sp>
+      <p:sp>
+        <p:nvSpPr>
+          <p:cNvPr id="6" name="TextBox 5">
+            <a:extLst>
+              <a:ext uri="{FF2B5EF4-FFF2-40B4-BE49-F238E27FC236}">
+                <a16:creationId xmlns:a16="http://schemas.microsoft.com/office/drawing/2014/main" id="{517584D5-81B4-0674-24AE-E7A553A41291}"/>
+              </a:ext>
+            </a:extLst>
+          </p:cNvPr>
+          <p:cNvSpPr txBox="1"/>
+          <p:nvPr/>
+        </p:nvSpPr>
+        <p:spPr>
+          <a:xfrm>
+            <a:off x="718142" y="953216"/>
+            <a:ext cx="308098" cy="276999"/>
+          </a:xfrm>
+          <a:prstGeom prst="rect">
+            <a:avLst/>
+          </a:prstGeom>
+          <a:noFill/>
+        </p:spPr>
+        <p:txBody>
+          <a:bodyPr wrap="none" rtlCol="0">
+            <a:spAutoFit/>
+          </a:bodyPr>
+          <a:lstStyle/>
+          <a:p>
+            <a:r>
+              <a:rPr lang="en-US" sz="1200" dirty="0"/>
+              <a:t>5’</a:t>
+            </a:r>
+          </a:p>
+        </p:txBody>
+      </p:sp>
+      <p:sp>
+        <p:nvSpPr>
+          <p:cNvPr id="7" name="TextBox 6">
+            <a:extLst>
+              <a:ext uri="{FF2B5EF4-FFF2-40B4-BE49-F238E27FC236}">
+                <a16:creationId xmlns:a16="http://schemas.microsoft.com/office/drawing/2014/main" id="{F9898B3A-BC01-4900-91B0-4A9E830765AC}"/>
+              </a:ext>
+            </a:extLst>
+          </p:cNvPr>
+          <p:cNvSpPr txBox="1"/>
+          <p:nvPr/>
+        </p:nvSpPr>
+        <p:spPr>
+          <a:xfrm>
+            <a:off x="3034402" y="945082"/>
+            <a:ext cx="308098" cy="276999"/>
+          </a:xfrm>
+          <a:prstGeom prst="rect">
+            <a:avLst/>
+          </a:prstGeom>
+          <a:noFill/>
+        </p:spPr>
+        <p:txBody>
+          <a:bodyPr wrap="none" rtlCol="0">
+            <a:spAutoFit/>
+          </a:bodyPr>
+          <a:lstStyle/>
+          <a:p>
+            <a:r>
+              <a:rPr lang="en-US" sz="1200" dirty="0"/>
+              <a:t>3’</a:t>
+            </a:r>
+          </a:p>
+        </p:txBody>
+      </p:sp>
+      <p:sp>
+        <p:nvSpPr>
+          <p:cNvPr id="8" name="TextBox 7">
+            <a:extLst>
+              <a:ext uri="{FF2B5EF4-FFF2-40B4-BE49-F238E27FC236}">
+                <a16:creationId xmlns:a16="http://schemas.microsoft.com/office/drawing/2014/main" id="{BF726BF8-A78D-B73E-3401-29F438D10295}"/>
+              </a:ext>
+            </a:extLst>
+          </p:cNvPr>
+          <p:cNvSpPr txBox="1"/>
+          <p:nvPr/>
+        </p:nvSpPr>
+        <p:spPr>
+          <a:xfrm>
+            <a:off x="718142" y="1333306"/>
+            <a:ext cx="308098" cy="276999"/>
+          </a:xfrm>
+          <a:prstGeom prst="rect">
+            <a:avLst/>
+          </a:prstGeom>
+          <a:noFill/>
+        </p:spPr>
+        <p:txBody>
+          <a:bodyPr wrap="none" rtlCol="0">
+            <a:spAutoFit/>
+          </a:bodyPr>
+          <a:lstStyle/>
+          <a:p>
+            <a:r>
+              <a:rPr lang="en-US" sz="1200" dirty="0"/>
+              <a:t>3’</a:t>
+            </a:r>
+          </a:p>
+        </p:txBody>
+      </p:sp>
+      <p:sp>
+        <p:nvSpPr>
+          <p:cNvPr id="9" name="TextBox 8">
+            <a:extLst>
+              <a:ext uri="{FF2B5EF4-FFF2-40B4-BE49-F238E27FC236}">
+                <a16:creationId xmlns:a16="http://schemas.microsoft.com/office/drawing/2014/main" id="{3C504594-0CB3-94D5-6B06-98A555559DA2}"/>
+              </a:ext>
+            </a:extLst>
+          </p:cNvPr>
+          <p:cNvSpPr txBox="1"/>
+          <p:nvPr/>
+        </p:nvSpPr>
+        <p:spPr>
+          <a:xfrm>
+            <a:off x="3034402" y="1321563"/>
+            <a:ext cx="308098" cy="276999"/>
+          </a:xfrm>
+          <a:prstGeom prst="rect">
+            <a:avLst/>
+          </a:prstGeom>
+          <a:noFill/>
+        </p:spPr>
+        <p:txBody>
+          <a:bodyPr wrap="none" rtlCol="0">
+            <a:spAutoFit/>
+          </a:bodyPr>
+          <a:lstStyle/>
+          <a:p>
+            <a:r>
+              <a:rPr lang="en-US" sz="1200" dirty="0"/>
+              <a:t>5’</a:t>
+            </a:r>
+          </a:p>
+        </p:txBody>
+      </p:sp>
+      <p:sp>
+        <p:nvSpPr>
+          <p:cNvPr id="11" name="Oval 10">
+            <a:extLst>
+              <a:ext uri="{FF2B5EF4-FFF2-40B4-BE49-F238E27FC236}">
+                <a16:creationId xmlns:a16="http://schemas.microsoft.com/office/drawing/2014/main" id="{8ADFBE3A-22C5-3E46-BF1F-7D4939A5B7E1}"/>
+              </a:ext>
+            </a:extLst>
+          </p:cNvPr>
+          <p:cNvSpPr>
+            <a:spLocks noChangeAspect="1"/>
+          </p:cNvSpPr>
+          <p:nvPr/>
+        </p:nvSpPr>
+        <p:spPr>
+          <a:xfrm>
+            <a:off x="970257" y="908744"/>
+            <a:ext cx="308038" cy="310896"/>
+          </a:xfrm>
+          <a:prstGeom prst="ellipse">
+            <a:avLst/>
+          </a:prstGeom>
+          <a:solidFill>
+            <a:srgbClr val="FFC000"/>
+          </a:solidFill>
+          <a:ln>
+            <a:noFill/>
+          </a:ln>
+        </p:spPr>
+        <p:style>
+          <a:lnRef idx="2">
+            <a:schemeClr val="accent1">
+              <a:shade val="15000"/>
+            </a:schemeClr>
+          </a:lnRef>
+          <a:fillRef idx="1">
+            <a:schemeClr val="accent1"/>
+          </a:fillRef>
+          <a:effectRef idx="0">
+            <a:schemeClr val="accent1"/>
+          </a:effectRef>
+          <a:fontRef idx="minor">
+            <a:schemeClr val="lt1"/>
+          </a:fontRef>
+        </p:style>
+        <p:txBody>
+          <a:bodyPr rtlCol="0" anchor="ctr"/>
+          <a:lstStyle/>
+          <a:p>
+            <a:pPr algn="ctr"/>
+            <a:endParaRPr lang="en-US" dirty="0"/>
+          </a:p>
+        </p:txBody>
+      </p:sp>
+      <p:sp>
+        <p:nvSpPr>
+          <p:cNvPr id="12" name="Oval 11">
+            <a:extLst>
+              <a:ext uri="{FF2B5EF4-FFF2-40B4-BE49-F238E27FC236}">
+                <a16:creationId xmlns:a16="http://schemas.microsoft.com/office/drawing/2014/main" id="{DED1F3F0-C0E4-AF89-55FE-BBC1AE2B40BD}"/>
+              </a:ext>
+            </a:extLst>
+          </p:cNvPr>
+          <p:cNvSpPr>
+            <a:spLocks noChangeAspect="1"/>
+          </p:cNvSpPr>
+          <p:nvPr/>
+        </p:nvSpPr>
+        <p:spPr>
+          <a:xfrm>
+            <a:off x="970257" y="1316357"/>
+            <a:ext cx="308038" cy="310896"/>
+          </a:xfrm>
+          <a:prstGeom prst="ellipse">
+            <a:avLst/>
+          </a:prstGeom>
+          <a:solidFill>
+            <a:schemeClr val="accent1">
+              <a:lumMod val="60000"/>
+              <a:lumOff val="40000"/>
+            </a:schemeClr>
+          </a:solidFill>
+          <a:ln>
+            <a:noFill/>
+          </a:ln>
+        </p:spPr>
+        <p:style>
+          <a:lnRef idx="2">
+            <a:schemeClr val="accent1">
+              <a:shade val="15000"/>
+            </a:schemeClr>
+          </a:lnRef>
+          <a:fillRef idx="1">
+            <a:schemeClr val="accent1"/>
+          </a:fillRef>
+          <a:effectRef idx="0">
+            <a:schemeClr val="accent1"/>
+          </a:effectRef>
+          <a:fontRef idx="minor">
+            <a:schemeClr val="lt1"/>
+          </a:fontRef>
+        </p:style>
+        <p:txBody>
+          <a:bodyPr rtlCol="0" anchor="ctr"/>
+          <a:lstStyle/>
+          <a:p>
+            <a:pPr algn="ctr"/>
+            <a:endParaRPr lang="en-US" dirty="0"/>
+          </a:p>
+        </p:txBody>
+      </p:sp>
+      <p:sp>
+        <p:nvSpPr>
+          <p:cNvPr id="13" name="Oval 12">
+            <a:extLst>
+              <a:ext uri="{FF2B5EF4-FFF2-40B4-BE49-F238E27FC236}">
+                <a16:creationId xmlns:a16="http://schemas.microsoft.com/office/drawing/2014/main" id="{FA278FD5-898B-2616-6BF3-31059504855C}"/>
+              </a:ext>
+            </a:extLst>
+          </p:cNvPr>
+          <p:cNvSpPr>
+            <a:spLocks noChangeAspect="1"/>
+          </p:cNvSpPr>
+          <p:nvPr/>
+        </p:nvSpPr>
+        <p:spPr>
+          <a:xfrm>
+            <a:off x="2801009" y="939447"/>
+            <a:ext cx="308038" cy="310896"/>
+          </a:xfrm>
+          <a:prstGeom prst="ellipse">
+            <a:avLst/>
+          </a:prstGeom>
+          <a:solidFill>
+            <a:schemeClr val="accent3">
+              <a:lumMod val="60000"/>
+              <a:lumOff val="40000"/>
+            </a:schemeClr>
+          </a:solidFill>
+          <a:ln>
+            <a:noFill/>
+          </a:ln>
+        </p:spPr>
+        <p:style>
+          <a:lnRef idx="2">
+            <a:schemeClr val="accent1">
+              <a:shade val="15000"/>
+            </a:schemeClr>
+          </a:lnRef>
+          <a:fillRef idx="1">
+            <a:schemeClr val="accent1"/>
+          </a:fillRef>
+          <a:effectRef idx="0">
+            <a:schemeClr val="accent1"/>
+          </a:effectRef>
+          <a:fontRef idx="minor">
+            <a:schemeClr val="lt1"/>
+          </a:fontRef>
+        </p:style>
+        <p:txBody>
+          <a:bodyPr rtlCol="0" anchor="ctr"/>
+          <a:lstStyle/>
+          <a:p>
+            <a:pPr algn="ctr"/>
+            <a:endParaRPr lang="en-US" dirty="0"/>
+          </a:p>
+        </p:txBody>
+      </p:sp>
+      <p:sp>
+        <p:nvSpPr>
+          <p:cNvPr id="14" name="Oval 13">
+            <a:extLst>
+              <a:ext uri="{FF2B5EF4-FFF2-40B4-BE49-F238E27FC236}">
+                <a16:creationId xmlns:a16="http://schemas.microsoft.com/office/drawing/2014/main" id="{3BD87A0A-0ECD-1D98-D304-74AF9F9E469B}"/>
+              </a:ext>
+            </a:extLst>
+          </p:cNvPr>
+          <p:cNvSpPr>
+            <a:spLocks noChangeAspect="1"/>
+          </p:cNvSpPr>
+          <p:nvPr/>
+        </p:nvSpPr>
+        <p:spPr>
+          <a:xfrm>
+            <a:off x="2802962" y="1321544"/>
+            <a:ext cx="308038" cy="310896"/>
+          </a:xfrm>
+          <a:prstGeom prst="ellipse">
+            <a:avLst/>
+          </a:prstGeom>
+          <a:solidFill>
+            <a:schemeClr val="accent5">
+              <a:lumMod val="60000"/>
+              <a:lumOff val="40000"/>
+            </a:schemeClr>
+          </a:solidFill>
+          <a:ln>
+            <a:noFill/>
+          </a:ln>
+        </p:spPr>
+        <p:style>
+          <a:lnRef idx="2">
+            <a:schemeClr val="accent1">
+              <a:shade val="15000"/>
+            </a:schemeClr>
+          </a:lnRef>
+          <a:fillRef idx="1">
+            <a:schemeClr val="accent1"/>
+          </a:fillRef>
+          <a:effectRef idx="0">
+            <a:schemeClr val="accent1"/>
+          </a:effectRef>
+          <a:fontRef idx="minor">
+            <a:schemeClr val="lt1"/>
+          </a:fontRef>
+        </p:style>
+        <p:txBody>
+          <a:bodyPr rtlCol="0" anchor="ctr"/>
+          <a:lstStyle/>
+          <a:p>
+            <a:pPr algn="ctr"/>
+            <a:endParaRPr lang="en-US" dirty="0"/>
+          </a:p>
+        </p:txBody>
+      </p:sp>
+      <p:sp>
+        <p:nvSpPr>
+          <p:cNvPr id="26" name="TextBox 25">
+            <a:extLst>
+              <a:ext uri="{FF2B5EF4-FFF2-40B4-BE49-F238E27FC236}">
+                <a16:creationId xmlns:a16="http://schemas.microsoft.com/office/drawing/2014/main" id="{81B7DEA0-17C1-41FD-87AF-23F2D0BBCBA9}"/>
+              </a:ext>
+            </a:extLst>
+          </p:cNvPr>
+          <p:cNvSpPr txBox="1"/>
+          <p:nvPr/>
+        </p:nvSpPr>
+        <p:spPr>
+          <a:xfrm>
+            <a:off x="1204117" y="2084190"/>
+            <a:ext cx="1673022" cy="307777"/>
+          </a:xfrm>
+          <a:prstGeom prst="rect">
+            <a:avLst/>
+          </a:prstGeom>
+          <a:noFill/>
+        </p:spPr>
+        <p:txBody>
+          <a:bodyPr wrap="none" rtlCol="0">
+            <a:spAutoFit/>
+          </a:bodyPr>
+          <a:lstStyle/>
+          <a:p>
+            <a:r>
+              <a:rPr lang="en-US" sz="1400" dirty="0"/>
+              <a:t>Rotate 180 degrees</a:t>
+            </a:r>
+          </a:p>
+        </p:txBody>
+      </p:sp>
+      <p:sp>
+        <p:nvSpPr>
+          <p:cNvPr id="28" name="Rectangle 27">
+            <a:extLst>
+              <a:ext uri="{FF2B5EF4-FFF2-40B4-BE49-F238E27FC236}">
+                <a16:creationId xmlns:a16="http://schemas.microsoft.com/office/drawing/2014/main" id="{7E091A64-F0FD-3215-2D5A-12C2D10D12A6}"/>
+              </a:ext>
+            </a:extLst>
+          </p:cNvPr>
+          <p:cNvSpPr/>
+          <p:nvPr/>
+        </p:nvSpPr>
+        <p:spPr>
+          <a:xfrm>
+            <a:off x="1026240" y="2804767"/>
+            <a:ext cx="2008162" cy="158044"/>
+          </a:xfrm>
+          <a:prstGeom prst="rect">
+            <a:avLst/>
+          </a:prstGeom>
+          <a:solidFill>
+            <a:schemeClr val="bg2">
+              <a:lumMod val="75000"/>
+            </a:schemeClr>
+          </a:solidFill>
+          <a:ln>
+            <a:noFill/>
+          </a:ln>
+        </p:spPr>
+        <p:style>
+          <a:lnRef idx="2">
+            <a:schemeClr val="accent1">
+              <a:shade val="15000"/>
+            </a:schemeClr>
+          </a:lnRef>
+          <a:fillRef idx="1">
+            <a:schemeClr val="accent1"/>
+          </a:fillRef>
+          <a:effectRef idx="0">
+            <a:schemeClr val="accent1"/>
+          </a:effectRef>
+          <a:fontRef idx="minor">
+            <a:schemeClr val="lt1"/>
+          </a:fontRef>
+        </p:style>
+        <p:txBody>
+          <a:bodyPr rtlCol="0" anchor="ctr"/>
+          <a:lstStyle/>
+          <a:p>
+            <a:pPr algn="ctr"/>
+            <a:endParaRPr lang="en-US" sz="1200" dirty="0"/>
+          </a:p>
+        </p:txBody>
+      </p:sp>
+      <p:sp>
+        <p:nvSpPr>
+          <p:cNvPr id="29" name="Rectangle 28">
+            <a:extLst>
+              <a:ext uri="{FF2B5EF4-FFF2-40B4-BE49-F238E27FC236}">
+                <a16:creationId xmlns:a16="http://schemas.microsoft.com/office/drawing/2014/main" id="{1A739884-AC40-478B-6D5D-DE44DFA64E16}"/>
+              </a:ext>
+            </a:extLst>
+          </p:cNvPr>
+          <p:cNvSpPr/>
+          <p:nvPr/>
+        </p:nvSpPr>
+        <p:spPr>
+          <a:xfrm>
+            <a:off x="1026240" y="3178769"/>
+            <a:ext cx="2008162" cy="158044"/>
+          </a:xfrm>
+          <a:prstGeom prst="rect">
+            <a:avLst/>
+          </a:prstGeom>
+          <a:solidFill>
+            <a:schemeClr val="bg2">
+              <a:lumMod val="75000"/>
+            </a:schemeClr>
+          </a:solidFill>
+          <a:ln>
+            <a:noFill/>
+          </a:ln>
+        </p:spPr>
+        <p:style>
+          <a:lnRef idx="2">
+            <a:schemeClr val="accent1">
+              <a:shade val="15000"/>
+            </a:schemeClr>
+          </a:lnRef>
+          <a:fillRef idx="1">
+            <a:schemeClr val="accent1"/>
+          </a:fillRef>
+          <a:effectRef idx="0">
+            <a:schemeClr val="accent1"/>
+          </a:effectRef>
+          <a:fontRef idx="minor">
+            <a:schemeClr val="lt1"/>
+          </a:fontRef>
+        </p:style>
+        <p:txBody>
+          <a:bodyPr rtlCol="0" anchor="ctr"/>
+          <a:lstStyle/>
+          <a:p>
+            <a:pPr algn="ctr"/>
+            <a:endParaRPr lang="en-US" sz="1200" dirty="0"/>
+          </a:p>
+        </p:txBody>
+      </p:sp>
+      <p:sp>
+        <p:nvSpPr>
+          <p:cNvPr id="30" name="TextBox 29">
+            <a:extLst>
+              <a:ext uri="{FF2B5EF4-FFF2-40B4-BE49-F238E27FC236}">
+                <a16:creationId xmlns:a16="http://schemas.microsoft.com/office/drawing/2014/main" id="{5E64B270-2BEA-DF58-766E-F0B163B01A19}"/>
+              </a:ext>
+            </a:extLst>
+          </p:cNvPr>
+          <p:cNvSpPr txBox="1"/>
+          <p:nvPr/>
+        </p:nvSpPr>
+        <p:spPr>
+          <a:xfrm>
+            <a:off x="718142" y="2750944"/>
+            <a:ext cx="308098" cy="276999"/>
+          </a:xfrm>
+          <a:prstGeom prst="rect">
+            <a:avLst/>
+          </a:prstGeom>
+          <a:noFill/>
+        </p:spPr>
+        <p:txBody>
+          <a:bodyPr wrap="none" rtlCol="0">
+            <a:spAutoFit/>
+          </a:bodyPr>
+          <a:lstStyle/>
+          <a:p>
+            <a:r>
+              <a:rPr lang="en-US" sz="1200" dirty="0"/>
+              <a:t>5’</a:t>
+            </a:r>
+          </a:p>
+        </p:txBody>
+      </p:sp>
+      <p:sp>
+        <p:nvSpPr>
+          <p:cNvPr id="31" name="TextBox 30">
+            <a:extLst>
+              <a:ext uri="{FF2B5EF4-FFF2-40B4-BE49-F238E27FC236}">
+                <a16:creationId xmlns:a16="http://schemas.microsoft.com/office/drawing/2014/main" id="{4E67AA88-ACB7-41EE-6C04-C36223B83965}"/>
+              </a:ext>
+            </a:extLst>
+          </p:cNvPr>
+          <p:cNvSpPr txBox="1"/>
+          <p:nvPr/>
+        </p:nvSpPr>
+        <p:spPr>
+          <a:xfrm>
+            <a:off x="3034402" y="2742810"/>
+            <a:ext cx="308098" cy="276999"/>
+          </a:xfrm>
+          <a:prstGeom prst="rect">
+            <a:avLst/>
+          </a:prstGeom>
+          <a:noFill/>
+        </p:spPr>
+        <p:txBody>
+          <a:bodyPr wrap="none" rtlCol="0">
+            <a:spAutoFit/>
+          </a:bodyPr>
+          <a:lstStyle/>
+          <a:p>
+            <a:r>
+              <a:rPr lang="en-US" sz="1200" dirty="0"/>
+              <a:t>3’</a:t>
+            </a:r>
+          </a:p>
+        </p:txBody>
+      </p:sp>
+      <p:sp>
+        <p:nvSpPr>
+          <p:cNvPr id="32" name="TextBox 31">
+            <a:extLst>
+              <a:ext uri="{FF2B5EF4-FFF2-40B4-BE49-F238E27FC236}">
+                <a16:creationId xmlns:a16="http://schemas.microsoft.com/office/drawing/2014/main" id="{890D8301-AE01-EC62-8FF0-B95DE7F4F792}"/>
+              </a:ext>
+            </a:extLst>
+          </p:cNvPr>
+          <p:cNvSpPr txBox="1"/>
+          <p:nvPr/>
+        </p:nvSpPr>
+        <p:spPr>
+          <a:xfrm>
+            <a:off x="718142" y="3131034"/>
+            <a:ext cx="308098" cy="276999"/>
+          </a:xfrm>
+          <a:prstGeom prst="rect">
+            <a:avLst/>
+          </a:prstGeom>
+          <a:noFill/>
+        </p:spPr>
+        <p:txBody>
+          <a:bodyPr wrap="none" rtlCol="0">
+            <a:spAutoFit/>
+          </a:bodyPr>
+          <a:lstStyle/>
+          <a:p>
+            <a:r>
+              <a:rPr lang="en-US" sz="1200" dirty="0"/>
+              <a:t>3’</a:t>
+            </a:r>
+          </a:p>
+        </p:txBody>
+      </p:sp>
+      <p:sp>
+        <p:nvSpPr>
+          <p:cNvPr id="33" name="TextBox 32">
+            <a:extLst>
+              <a:ext uri="{FF2B5EF4-FFF2-40B4-BE49-F238E27FC236}">
+                <a16:creationId xmlns:a16="http://schemas.microsoft.com/office/drawing/2014/main" id="{395EFA0F-E196-5B86-82F8-714BC852A5B5}"/>
+              </a:ext>
+            </a:extLst>
+          </p:cNvPr>
+          <p:cNvSpPr txBox="1"/>
+          <p:nvPr/>
+        </p:nvSpPr>
+        <p:spPr>
+          <a:xfrm>
+            <a:off x="3034402" y="3119291"/>
+            <a:ext cx="308098" cy="276999"/>
+          </a:xfrm>
+          <a:prstGeom prst="rect">
+            <a:avLst/>
+          </a:prstGeom>
+          <a:noFill/>
+        </p:spPr>
+        <p:txBody>
+          <a:bodyPr wrap="none" rtlCol="0">
+            <a:spAutoFit/>
+          </a:bodyPr>
+          <a:lstStyle/>
+          <a:p>
+            <a:r>
+              <a:rPr lang="en-US" sz="1200" dirty="0"/>
+              <a:t>5’</a:t>
+            </a:r>
+          </a:p>
+        </p:txBody>
+      </p:sp>
+      <p:sp>
+        <p:nvSpPr>
+          <p:cNvPr id="34" name="Oval 33">
+            <a:extLst>
+              <a:ext uri="{FF2B5EF4-FFF2-40B4-BE49-F238E27FC236}">
+                <a16:creationId xmlns:a16="http://schemas.microsoft.com/office/drawing/2014/main" id="{3CCC55A4-DADF-10F7-AE83-16B261BC61FE}"/>
+              </a:ext>
+            </a:extLst>
+          </p:cNvPr>
+          <p:cNvSpPr>
+            <a:spLocks noChangeAspect="1"/>
+          </p:cNvSpPr>
+          <p:nvPr/>
+        </p:nvSpPr>
+        <p:spPr>
+          <a:xfrm>
+            <a:off x="970257" y="2706472"/>
+            <a:ext cx="308038" cy="310896"/>
+          </a:xfrm>
+          <a:prstGeom prst="ellipse">
+            <a:avLst/>
+          </a:prstGeom>
+          <a:solidFill>
+            <a:schemeClr val="accent5">
+              <a:lumMod val="60000"/>
+              <a:lumOff val="40000"/>
+            </a:schemeClr>
+          </a:solidFill>
+          <a:ln>
+            <a:noFill/>
+          </a:ln>
+        </p:spPr>
+        <p:style>
+          <a:lnRef idx="2">
+            <a:schemeClr val="accent1">
+              <a:shade val="15000"/>
+            </a:schemeClr>
+          </a:lnRef>
+          <a:fillRef idx="1">
+            <a:schemeClr val="accent1"/>
+          </a:fillRef>
+          <a:effectRef idx="0">
+            <a:schemeClr val="accent1"/>
+          </a:effectRef>
+          <a:fontRef idx="minor">
+            <a:schemeClr val="lt1"/>
+          </a:fontRef>
+        </p:style>
+        <p:txBody>
+          <a:bodyPr rtlCol="0" anchor="ctr"/>
+          <a:lstStyle/>
+          <a:p>
+            <a:pPr algn="ctr"/>
+            <a:endParaRPr lang="en-US" dirty="0"/>
+          </a:p>
+        </p:txBody>
+      </p:sp>
+      <p:sp>
+        <p:nvSpPr>
+          <p:cNvPr id="35" name="Oval 34">
+            <a:extLst>
+              <a:ext uri="{FF2B5EF4-FFF2-40B4-BE49-F238E27FC236}">
+                <a16:creationId xmlns:a16="http://schemas.microsoft.com/office/drawing/2014/main" id="{227A85C5-4479-6974-E49C-3C2689E1BC3A}"/>
+              </a:ext>
+            </a:extLst>
+          </p:cNvPr>
+          <p:cNvSpPr>
+            <a:spLocks noChangeAspect="1"/>
+          </p:cNvSpPr>
+          <p:nvPr/>
+        </p:nvSpPr>
+        <p:spPr>
+          <a:xfrm>
+            <a:off x="970257" y="3114085"/>
+            <a:ext cx="308038" cy="310896"/>
+          </a:xfrm>
+          <a:prstGeom prst="ellipse">
+            <a:avLst/>
+          </a:prstGeom>
+          <a:solidFill>
+            <a:schemeClr val="accent3">
+              <a:lumMod val="60000"/>
+              <a:lumOff val="40000"/>
+            </a:schemeClr>
+          </a:solidFill>
+          <a:ln>
+            <a:noFill/>
+          </a:ln>
+        </p:spPr>
+        <p:style>
+          <a:lnRef idx="2">
+            <a:schemeClr val="accent1">
+              <a:shade val="15000"/>
+            </a:schemeClr>
+          </a:lnRef>
+          <a:fillRef idx="1">
+            <a:schemeClr val="accent1"/>
+          </a:fillRef>
+          <a:effectRef idx="0">
+            <a:schemeClr val="accent1"/>
+          </a:effectRef>
+          <a:fontRef idx="minor">
+            <a:schemeClr val="lt1"/>
+          </a:fontRef>
+        </p:style>
+        <p:txBody>
+          <a:bodyPr rtlCol="0" anchor="ctr"/>
+          <a:lstStyle/>
+          <a:p>
+            <a:pPr algn="ctr"/>
+            <a:endParaRPr lang="en-US" dirty="0"/>
+          </a:p>
+        </p:txBody>
+      </p:sp>
+      <p:sp>
+        <p:nvSpPr>
+          <p:cNvPr id="36" name="Oval 35">
+            <a:extLst>
+              <a:ext uri="{FF2B5EF4-FFF2-40B4-BE49-F238E27FC236}">
+                <a16:creationId xmlns:a16="http://schemas.microsoft.com/office/drawing/2014/main" id="{F5E409E2-D9B2-AF2C-C55D-BA92EC62291E}"/>
+              </a:ext>
+            </a:extLst>
+          </p:cNvPr>
+          <p:cNvSpPr>
+            <a:spLocks noChangeAspect="1"/>
+          </p:cNvSpPr>
+          <p:nvPr/>
+        </p:nvSpPr>
+        <p:spPr>
+          <a:xfrm>
+            <a:off x="2801009" y="2737175"/>
+            <a:ext cx="308038" cy="310896"/>
+          </a:xfrm>
+          <a:prstGeom prst="ellipse">
+            <a:avLst/>
+          </a:prstGeom>
+          <a:solidFill>
+            <a:srgbClr val="00B0F0"/>
+          </a:solidFill>
+          <a:ln>
+            <a:noFill/>
+          </a:ln>
+        </p:spPr>
+        <p:style>
+          <a:lnRef idx="2">
+            <a:schemeClr val="accent1">
+              <a:shade val="15000"/>
+            </a:schemeClr>
+          </a:lnRef>
+          <a:fillRef idx="1">
+            <a:schemeClr val="accent1"/>
+          </a:fillRef>
+          <a:effectRef idx="0">
+            <a:schemeClr val="accent1"/>
+          </a:effectRef>
+          <a:fontRef idx="minor">
+            <a:schemeClr val="lt1"/>
+          </a:fontRef>
+        </p:style>
+        <p:txBody>
+          <a:bodyPr rtlCol="0" anchor="ctr"/>
+          <a:lstStyle/>
+          <a:p>
+            <a:pPr algn="ctr"/>
+            <a:endParaRPr lang="en-US" dirty="0"/>
+          </a:p>
+        </p:txBody>
+      </p:sp>
+      <p:sp>
+        <p:nvSpPr>
+          <p:cNvPr id="37" name="Oval 36">
+            <a:extLst>
+              <a:ext uri="{FF2B5EF4-FFF2-40B4-BE49-F238E27FC236}">
+                <a16:creationId xmlns:a16="http://schemas.microsoft.com/office/drawing/2014/main" id="{7012482F-96FF-CAC0-7C4E-837AA111D5AF}"/>
+              </a:ext>
+            </a:extLst>
+          </p:cNvPr>
+          <p:cNvSpPr>
+            <a:spLocks noChangeAspect="1"/>
+          </p:cNvSpPr>
+          <p:nvPr/>
+        </p:nvSpPr>
+        <p:spPr>
+          <a:xfrm>
+            <a:off x="2802961" y="3118104"/>
+            <a:ext cx="308038" cy="310896"/>
+          </a:xfrm>
+          <a:prstGeom prst="ellipse">
+            <a:avLst/>
+          </a:prstGeom>
+          <a:solidFill>
+            <a:srgbClr val="FFC000"/>
+          </a:solidFill>
+          <a:ln>
+            <a:noFill/>
+          </a:ln>
+        </p:spPr>
+        <p:style>
+          <a:lnRef idx="2">
+            <a:schemeClr val="accent1">
+              <a:shade val="15000"/>
+            </a:schemeClr>
+          </a:lnRef>
+          <a:fillRef idx="1">
+            <a:schemeClr val="accent1"/>
+          </a:fillRef>
+          <a:effectRef idx="0">
+            <a:schemeClr val="accent1"/>
+          </a:effectRef>
+          <a:fontRef idx="minor">
+            <a:schemeClr val="lt1"/>
+          </a:fontRef>
+        </p:style>
+        <p:txBody>
+          <a:bodyPr rtlCol="0" anchor="ctr"/>
+          <a:lstStyle/>
+          <a:p>
+            <a:pPr algn="ctr"/>
+            <a:endParaRPr lang="en-US" dirty="0"/>
+          </a:p>
+        </p:txBody>
+      </p:sp>
+      <p:cxnSp>
+        <p:nvCxnSpPr>
+          <p:cNvPr id="40" name="Straight Arrow Connector 39">
+            <a:extLst>
+              <a:ext uri="{FF2B5EF4-FFF2-40B4-BE49-F238E27FC236}">
+                <a16:creationId xmlns:a16="http://schemas.microsoft.com/office/drawing/2014/main" id="{637DB99B-A92C-6F8D-8C0C-A3F771893A9E}"/>
+              </a:ext>
+            </a:extLst>
+          </p:cNvPr>
+          <p:cNvCxnSpPr>
+            <a:cxnSpLocks/>
+            <a:stCxn id="14" idx="2"/>
+            <a:endCxn id="12" idx="6"/>
+          </p:cNvCxnSpPr>
+          <p:nvPr/>
+        </p:nvCxnSpPr>
+        <p:spPr>
+          <a:xfrm flipH="1" flipV="1">
+            <a:off x="1278295" y="1471805"/>
+            <a:ext cx="1524667" cy="5187"/>
+          </a:xfrm>
+          <a:prstGeom prst="straightConnector1">
+            <a:avLst/>
+          </a:prstGeom>
+          <a:ln>
+            <a:solidFill>
+              <a:schemeClr val="tx1"/>
+            </a:solidFill>
+            <a:tailEnd type="triangle"/>
+          </a:ln>
+        </p:spPr>
+        <p:style>
+          <a:lnRef idx="2">
+            <a:schemeClr val="accent1"/>
+          </a:lnRef>
+          <a:fillRef idx="0">
+            <a:schemeClr val="accent1"/>
+          </a:fillRef>
+          <a:effectRef idx="1">
+            <a:schemeClr val="accent1"/>
+          </a:effectRef>
+          <a:fontRef idx="minor">
+            <a:schemeClr val="tx1"/>
+          </a:fontRef>
+        </p:style>
+      </p:cxnSp>
+      <p:cxnSp>
+        <p:nvCxnSpPr>
+          <p:cNvPr id="43" name="Straight Arrow Connector 42">
+            <a:extLst>
+              <a:ext uri="{FF2B5EF4-FFF2-40B4-BE49-F238E27FC236}">
+                <a16:creationId xmlns:a16="http://schemas.microsoft.com/office/drawing/2014/main" id="{FF154882-417C-A0CE-B138-C87949D7BFC5}"/>
+              </a:ext>
+            </a:extLst>
+          </p:cNvPr>
+          <p:cNvCxnSpPr>
+            <a:cxnSpLocks/>
+            <a:stCxn id="37" idx="2"/>
+            <a:endCxn id="35" idx="6"/>
+          </p:cNvCxnSpPr>
+          <p:nvPr/>
+        </p:nvCxnSpPr>
+        <p:spPr>
+          <a:xfrm flipH="1" flipV="1">
+            <a:off x="1278295" y="3269533"/>
+            <a:ext cx="1524666" cy="4019"/>
+          </a:xfrm>
+          <a:prstGeom prst="straightConnector1">
+            <a:avLst/>
+          </a:prstGeom>
+          <a:ln>
+            <a:solidFill>
+              <a:schemeClr val="tx1"/>
+            </a:solidFill>
+            <a:tailEnd type="triangle"/>
+          </a:ln>
+        </p:spPr>
+        <p:style>
+          <a:lnRef idx="2">
+            <a:schemeClr val="accent1"/>
+          </a:lnRef>
+          <a:fillRef idx="0">
+            <a:schemeClr val="accent1"/>
+          </a:fillRef>
+          <a:effectRef idx="1">
+            <a:schemeClr val="accent1"/>
+          </a:effectRef>
+          <a:fontRef idx="minor">
+            <a:schemeClr val="tx1"/>
+          </a:fontRef>
+        </p:style>
+      </p:cxnSp>
+      <p:sp>
+        <p:nvSpPr>
+          <p:cNvPr id="46" name="TextBox 45">
+            <a:extLst>
+              <a:ext uri="{FF2B5EF4-FFF2-40B4-BE49-F238E27FC236}">
+                <a16:creationId xmlns:a16="http://schemas.microsoft.com/office/drawing/2014/main" id="{D0F5FF51-69E3-106A-E4AC-1350EFE97A41}"/>
+              </a:ext>
+            </a:extLst>
+          </p:cNvPr>
+          <p:cNvSpPr txBox="1"/>
+          <p:nvPr/>
+        </p:nvSpPr>
+        <p:spPr>
+          <a:xfrm>
+            <a:off x="453988" y="4198591"/>
+            <a:ext cx="8433719" cy="523220"/>
+          </a:xfrm>
+          <a:prstGeom prst="rect">
+            <a:avLst/>
+          </a:prstGeom>
+          <a:noFill/>
+        </p:spPr>
+        <p:txBody>
+          <a:bodyPr wrap="none" rtlCol="0">
+            <a:spAutoFit/>
+          </a:bodyPr>
+          <a:lstStyle/>
+          <a:p>
+            <a:r>
+              <a:rPr lang="en-US" sz="1400" dirty="0"/>
+              <a:t>- Read 1 could be either the plus strand or the minus strand. (The sequencer is “blind” to </a:t>
+            </a:r>
+            <a:r>
+              <a:rPr lang="en-US" sz="1400" dirty="0" err="1"/>
+              <a:t>strandedness</a:t>
+            </a:r>
+            <a:r>
+              <a:rPr lang="en-US" sz="1400" dirty="0"/>
+              <a:t>.)</a:t>
+            </a:r>
+          </a:p>
+          <a:p>
+            <a:r>
+              <a:rPr lang="en-US" sz="1400" dirty="0"/>
+              <a:t>- In practice, if a read was mapped to the minus strand, reverse complement it before working further with it.</a:t>
+            </a:r>
+          </a:p>
+        </p:txBody>
+      </p:sp>
+    </p:spTree>
+    <p:extLst>
+      <p:ext uri="{BB962C8B-B14F-4D97-AF65-F5344CB8AC3E}">
+        <p14:creationId xmlns:p14="http://schemas.microsoft.com/office/powerpoint/2010/main" val="1021760907"/>
       </p:ext>
     </p:extLst>
   </p:cSld>
